--- a/презентация [Autosaved].pptx
+++ b/презентация [Autosaved].pptx
@@ -9,12 +9,15 @@
     <p:sldId id="257" r:id="rId3"/>
     <p:sldId id="258" r:id="rId4"/>
     <p:sldId id="259" r:id="rId5"/>
-    <p:sldId id="260" r:id="rId6"/>
-    <p:sldId id="261" r:id="rId7"/>
-    <p:sldId id="262" r:id="rId8"/>
-    <p:sldId id="264" r:id="rId9"/>
-    <p:sldId id="265" r:id="rId10"/>
-    <p:sldId id="263" r:id="rId11"/>
+    <p:sldId id="268" r:id="rId6"/>
+    <p:sldId id="260" r:id="rId7"/>
+    <p:sldId id="261" r:id="rId8"/>
+    <p:sldId id="262" r:id="rId9"/>
+    <p:sldId id="264" r:id="rId10"/>
+    <p:sldId id="265" r:id="rId11"/>
+    <p:sldId id="263" r:id="rId12"/>
+    <p:sldId id="267" r:id="rId13"/>
+    <p:sldId id="266" r:id="rId14"/>
   </p:sldIdLst>
   <p:sldSz cx="12192000" cy="6858000"/>
   <p:notesSz cx="6858000" cy="9144000"/>
@@ -317,7 +320,7 @@
           <a:p>
             <a:fld id="{FC0E1DCF-EDE6-4D23-9CF8-EE16268B62F2}" type="datetimeFigureOut">
               <a:rPr lang="ru-RU" smtClean="0"/>
-              <a:t>13.04.2020</a:t>
+              <a:t>19.04.2020</a:t>
             </a:fld>
             <a:endParaRPr lang="ru-RU"/>
           </a:p>
@@ -598,7 +601,7 @@
           <a:p>
             <a:fld id="{FC0E1DCF-EDE6-4D23-9CF8-EE16268B62F2}" type="datetimeFigureOut">
               <a:rPr lang="ru-RU" smtClean="0"/>
-              <a:t>13.04.2020</a:t>
+              <a:t>19.04.2020</a:t>
             </a:fld>
             <a:endParaRPr lang="ru-RU"/>
           </a:p>
@@ -790,7 +793,7 @@
           <a:p>
             <a:fld id="{FC0E1DCF-EDE6-4D23-9CF8-EE16268B62F2}" type="datetimeFigureOut">
               <a:rPr lang="ru-RU" smtClean="0"/>
-              <a:t>13.04.2020</a:t>
+              <a:t>19.04.2020</a:t>
             </a:fld>
             <a:endParaRPr lang="ru-RU"/>
           </a:p>
@@ -1051,7 +1054,7 @@
           <a:p>
             <a:fld id="{FC0E1DCF-EDE6-4D23-9CF8-EE16268B62F2}" type="datetimeFigureOut">
               <a:rPr lang="ru-RU" smtClean="0"/>
-              <a:t>13.04.2020</a:t>
+              <a:t>19.04.2020</a:t>
             </a:fld>
             <a:endParaRPr lang="ru-RU"/>
           </a:p>
@@ -1477,7 +1480,7 @@
           <a:p>
             <a:fld id="{FC0E1DCF-EDE6-4D23-9CF8-EE16268B62F2}" type="datetimeFigureOut">
               <a:rPr lang="ru-RU" smtClean="0"/>
-              <a:t>13.04.2020</a:t>
+              <a:t>19.04.2020</a:t>
             </a:fld>
             <a:endParaRPr lang="ru-RU"/>
           </a:p>
@@ -2023,7 +2026,7 @@
           <a:p>
             <a:fld id="{FC0E1DCF-EDE6-4D23-9CF8-EE16268B62F2}" type="datetimeFigureOut">
               <a:rPr lang="ru-RU" smtClean="0"/>
-              <a:t>13.04.2020</a:t>
+              <a:t>19.04.2020</a:t>
             </a:fld>
             <a:endParaRPr lang="ru-RU"/>
           </a:p>
@@ -2854,7 +2857,7 @@
           <a:p>
             <a:fld id="{FC0E1DCF-EDE6-4D23-9CF8-EE16268B62F2}" type="datetimeFigureOut">
               <a:rPr lang="ru-RU" smtClean="0"/>
-              <a:t>13.04.2020</a:t>
+              <a:t>19.04.2020</a:t>
             </a:fld>
             <a:endParaRPr lang="ru-RU"/>
           </a:p>
@@ -3024,7 +3027,7 @@
           <a:p>
             <a:fld id="{FC0E1DCF-EDE6-4D23-9CF8-EE16268B62F2}" type="datetimeFigureOut">
               <a:rPr lang="ru-RU" smtClean="0"/>
-              <a:t>13.04.2020</a:t>
+              <a:t>19.04.2020</a:t>
             </a:fld>
             <a:endParaRPr lang="ru-RU"/>
           </a:p>
@@ -3204,7 +3207,7 @@
           <a:p>
             <a:fld id="{FC0E1DCF-EDE6-4D23-9CF8-EE16268B62F2}" type="datetimeFigureOut">
               <a:rPr lang="ru-RU" smtClean="0"/>
-              <a:t>13.04.2020</a:t>
+              <a:t>19.04.2020</a:t>
             </a:fld>
             <a:endParaRPr lang="ru-RU"/>
           </a:p>
@@ -3374,7 +3377,7 @@
           <a:p>
             <a:fld id="{FC0E1DCF-EDE6-4D23-9CF8-EE16268B62F2}" type="datetimeFigureOut">
               <a:rPr lang="ru-RU" smtClean="0"/>
-              <a:t>13.04.2020</a:t>
+              <a:t>19.04.2020</a:t>
             </a:fld>
             <a:endParaRPr lang="ru-RU"/>
           </a:p>
@@ -3631,7 +3634,7 @@
           <a:p>
             <a:fld id="{FC0E1DCF-EDE6-4D23-9CF8-EE16268B62F2}" type="datetimeFigureOut">
               <a:rPr lang="ru-RU" smtClean="0"/>
-              <a:t>13.04.2020</a:t>
+              <a:t>19.04.2020</a:t>
             </a:fld>
             <a:endParaRPr lang="ru-RU"/>
           </a:p>
@@ -3863,7 +3866,7 @@
           <a:p>
             <a:fld id="{FC0E1DCF-EDE6-4D23-9CF8-EE16268B62F2}" type="datetimeFigureOut">
               <a:rPr lang="ru-RU" smtClean="0"/>
-              <a:t>13.04.2020</a:t>
+              <a:t>19.04.2020</a:t>
             </a:fld>
             <a:endParaRPr lang="ru-RU"/>
           </a:p>
@@ -4256,7 +4259,7 @@
           <a:p>
             <a:fld id="{FC0E1DCF-EDE6-4D23-9CF8-EE16268B62F2}" type="datetimeFigureOut">
               <a:rPr lang="ru-RU" smtClean="0"/>
-              <a:t>13.04.2020</a:t>
+              <a:t>19.04.2020</a:t>
             </a:fld>
             <a:endParaRPr lang="ru-RU"/>
           </a:p>
@@ -4374,7 +4377,7 @@
           <a:p>
             <a:fld id="{FC0E1DCF-EDE6-4D23-9CF8-EE16268B62F2}" type="datetimeFigureOut">
               <a:rPr lang="ru-RU" smtClean="0"/>
-              <a:t>13.04.2020</a:t>
+              <a:t>19.04.2020</a:t>
             </a:fld>
             <a:endParaRPr lang="ru-RU"/>
           </a:p>
@@ -4469,7 +4472,7 @@
           <a:p>
             <a:fld id="{FC0E1DCF-EDE6-4D23-9CF8-EE16268B62F2}" type="datetimeFigureOut">
               <a:rPr lang="ru-RU" smtClean="0"/>
-              <a:t>13.04.2020</a:t>
+              <a:t>19.04.2020</a:t>
             </a:fld>
             <a:endParaRPr lang="ru-RU"/>
           </a:p>
@@ -4742,7 +4745,7 @@
           <a:p>
             <a:fld id="{FC0E1DCF-EDE6-4D23-9CF8-EE16268B62F2}" type="datetimeFigureOut">
               <a:rPr lang="ru-RU" smtClean="0"/>
-              <a:t>13.04.2020</a:t>
+              <a:t>19.04.2020</a:t>
             </a:fld>
             <a:endParaRPr lang="ru-RU"/>
           </a:p>
@@ -5023,7 +5026,7 @@
           <a:p>
             <a:fld id="{FC0E1DCF-EDE6-4D23-9CF8-EE16268B62F2}" type="datetimeFigureOut">
               <a:rPr lang="ru-RU" smtClean="0"/>
-              <a:t>13.04.2020</a:t>
+              <a:t>19.04.2020</a:t>
             </a:fld>
             <a:endParaRPr lang="ru-RU"/>
           </a:p>
@@ -5263,7 +5266,7 @@
           <a:p>
             <a:fld id="{FC0E1DCF-EDE6-4D23-9CF8-EE16268B62F2}" type="datetimeFigureOut">
               <a:rPr lang="ru-RU" smtClean="0"/>
-              <a:t>13.04.2020</a:t>
+              <a:t>19.04.2020</a:t>
             </a:fld>
             <a:endParaRPr lang="ru-RU"/>
           </a:p>
@@ -5921,6 +5924,14 @@
   <p:clrMapOvr>
     <a:masterClrMapping/>
   </p:clrMapOvr>
+  <mc:AlternateContent xmlns:mc="http://schemas.openxmlformats.org/markup-compatibility/2006" xmlns:p14="http://schemas.microsoft.com/office/powerpoint/2010/main">
+    <mc:Choice Requires="p14">
+      <p:transition spd="slow" p14:dur="2000" advTm="307"/>
+    </mc:Choice>
+    <mc:Fallback xmlns="">
+      <p:transition spd="slow" advTm="307"/>
+    </mc:Fallback>
+  </mc:AlternateContent>
   <p:timing>
     <p:tnLst>
       <p:par>
@@ -5956,6 +5967,239 @@
         </p:nvSpPr>
         <p:spPr>
           <a:xfrm>
+            <a:off x="188844" y="576469"/>
+            <a:ext cx="6548139" cy="769441"/>
+          </a:xfrm>
+          <a:prstGeom prst="rect">
+            <a:avLst/>
+          </a:prstGeom>
+          <a:noFill/>
+        </p:spPr>
+        <p:txBody>
+          <a:bodyPr wrap="none" rtlCol="0">
+            <a:spAutoFit/>
+          </a:bodyPr>
+          <a:lstStyle/>
+          <a:p>
+            <a:pPr marL="285750" indent="-285750">
+              <a:buFont typeface="Arial" panose="020B0604020202020204" pitchFamily="34" charset="0"/>
+              <a:buChar char="•"/>
+            </a:pPr>
+            <a:r>
+              <a:rPr lang="ru-RU" sz="2600" b="1" dirty="0">
+                <a:latin typeface="Arial" panose="020B0604020202020204" pitchFamily="34" charset="0"/>
+                <a:cs typeface="Arial" panose="020B0604020202020204" pitchFamily="34" charset="0"/>
+              </a:rPr>
+              <a:t>Работа над проектом. Тесты. </a:t>
+            </a:r>
+            <a:r>
+              <a:rPr lang="en-US" sz="2600" b="1" dirty="0">
+                <a:latin typeface="Arial" panose="020B0604020202020204" pitchFamily="34" charset="0"/>
+                <a:cs typeface="Arial" panose="020B0604020202020204" pitchFamily="34" charset="0"/>
+              </a:rPr>
+              <a:t>Activity</a:t>
+            </a:r>
+            <a:endParaRPr lang="ru-RU" sz="2600" b="1" dirty="0">
+              <a:latin typeface="Arial" panose="020B0604020202020204" pitchFamily="34" charset="0"/>
+              <a:cs typeface="Arial" panose="020B0604020202020204" pitchFamily="34" charset="0"/>
+            </a:endParaRPr>
+          </a:p>
+          <a:p>
+            <a:endParaRPr lang="ru-RU" dirty="0"/>
+          </a:p>
+        </p:txBody>
+      </p:sp>
+      <p:pic>
+        <p:nvPicPr>
+          <p:cNvPr id="3" name="Picture 8" descr="https://sun1-92.userapi.com/KEJaI-AvH7XDTnGi9ZHoqoBlKcMePYrNGwpNuA/rXY-A8ECuUk.jpg"/>
+          <p:cNvPicPr>
+            <a:picLocks noChangeAspect="1" noChangeArrowheads="1"/>
+          </p:cNvPicPr>
+          <p:nvPr/>
+        </p:nvPicPr>
+        <p:blipFill>
+          <a:blip r:embed="rId2">
+            <a:extLst>
+              <a:ext uri="{28A0092B-C50C-407E-A947-70E740481C1C}">
+                <a14:useLocalDpi xmlns:a14="http://schemas.microsoft.com/office/drawing/2010/main" val="0"/>
+              </a:ext>
+            </a:extLst>
+          </a:blip>
+          <a:srcRect/>
+          <a:stretch>
+            <a:fillRect/>
+          </a:stretch>
+        </p:blipFill>
+        <p:spPr bwMode="auto">
+          <a:xfrm>
+            <a:off x="5474976" y="2394211"/>
+            <a:ext cx="6086475" cy="2857500"/>
+          </a:xfrm>
+          <a:prstGeom prst="rect">
+            <a:avLst/>
+          </a:prstGeom>
+          <a:noFill/>
+          <a:extLst>
+            <a:ext uri="{909E8E84-426E-40DD-AFC4-6F175D3DCCD1}">
+              <a14:hiddenFill xmlns:a14="http://schemas.microsoft.com/office/drawing/2010/main">
+                <a:solidFill>
+                  <a:srgbClr val="FFFFFF"/>
+                </a:solidFill>
+              </a14:hiddenFill>
+            </a:ext>
+          </a:extLst>
+        </p:spPr>
+      </p:pic>
+      <p:sp>
+        <p:nvSpPr>
+          <p:cNvPr id="11" name="TextBox 10"/>
+          <p:cNvSpPr txBox="1"/>
+          <p:nvPr/>
+        </p:nvSpPr>
+        <p:spPr>
+          <a:xfrm>
+            <a:off x="1113183" y="1987826"/>
+            <a:ext cx="184731" cy="369332"/>
+          </a:xfrm>
+          <a:prstGeom prst="rect">
+            <a:avLst/>
+          </a:prstGeom>
+          <a:noFill/>
+        </p:spPr>
+        <p:txBody>
+          <a:bodyPr wrap="none" rtlCol="0">
+            <a:spAutoFit/>
+          </a:bodyPr>
+          <a:lstStyle/>
+          <a:p>
+            <a:endParaRPr lang="ru-RU" dirty="0"/>
+          </a:p>
+        </p:txBody>
+      </p:sp>
+      <p:sp>
+        <p:nvSpPr>
+          <p:cNvPr id="14" name="TextBox 13"/>
+          <p:cNvSpPr txBox="1"/>
+          <p:nvPr/>
+        </p:nvSpPr>
+        <p:spPr>
+          <a:xfrm>
+            <a:off x="188844" y="2530300"/>
+            <a:ext cx="5079842" cy="2308324"/>
+          </a:xfrm>
+          <a:prstGeom prst="rect">
+            <a:avLst/>
+          </a:prstGeom>
+          <a:noFill/>
+        </p:spPr>
+        <p:txBody>
+          <a:bodyPr wrap="square" rtlCol="0">
+            <a:spAutoFit/>
+          </a:bodyPr>
+          <a:lstStyle/>
+          <a:p>
+            <a:pPr algn="just"/>
+            <a:r>
+              <a:rPr lang="ru-RU" dirty="0" smtClean="0"/>
+              <a:t>	Данный тест проверяет корректность входных параметров в </a:t>
+            </a:r>
+            <a:r>
+              <a:rPr lang="en-US" dirty="0" smtClean="0"/>
+              <a:t>activity </a:t>
+            </a:r>
+            <a:r>
+              <a:rPr lang="en-US" dirty="0" err="1" smtClean="0"/>
+              <a:t>InfoStruct</a:t>
+            </a:r>
+            <a:r>
+              <a:rPr lang="ru-RU" dirty="0" smtClean="0"/>
+              <a:t>, то есть сопоставляется  параметр, который был передан </a:t>
+            </a:r>
+            <a:r>
+              <a:rPr lang="en-US" dirty="0" smtClean="0"/>
+              <a:t>workflow</a:t>
+            </a:r>
+            <a:r>
+              <a:rPr lang="ru-RU" dirty="0" smtClean="0"/>
+              <a:t> и тот, который был получен в </a:t>
+            </a:r>
+            <a:r>
+              <a:rPr lang="en-US" dirty="0" smtClean="0"/>
+              <a:t>activity. </a:t>
+            </a:r>
+            <a:r>
+              <a:rPr lang="ru-RU" dirty="0" smtClean="0"/>
+              <a:t>Заменяется тело исходного </a:t>
+            </a:r>
+            <a:r>
+              <a:rPr lang="en-US" dirty="0" smtClean="0"/>
+              <a:t>activity </a:t>
+            </a:r>
+            <a:r>
+              <a:rPr lang="ru-RU" dirty="0" smtClean="0"/>
+              <a:t>на альтернативный код с проверкой полученных параметров. Всякий раз при вызова этого </a:t>
+            </a:r>
+            <a:r>
+              <a:rPr lang="en-US" dirty="0" smtClean="0"/>
+              <a:t>activity</a:t>
+            </a:r>
+            <a:r>
+              <a:rPr lang="ru-RU" dirty="0" smtClean="0"/>
+              <a:t>, будет выполняться новый кусок кода. </a:t>
+            </a:r>
+            <a:r>
+              <a:rPr lang="en-US" dirty="0" smtClean="0"/>
+              <a:t> </a:t>
+            </a:r>
+            <a:endParaRPr lang="ru-RU" dirty="0"/>
+          </a:p>
+        </p:txBody>
+      </p:sp>
+    </p:spTree>
+    <p:extLst>
+      <p:ext uri="{BB962C8B-B14F-4D97-AF65-F5344CB8AC3E}">
+        <p14:creationId xmlns:p14="http://schemas.microsoft.com/office/powerpoint/2010/main" val="1540845384"/>
+      </p:ext>
+    </p:extLst>
+  </p:cSld>
+  <p:clrMapOvr>
+    <a:masterClrMapping/>
+  </p:clrMapOvr>
+  <p:timing>
+    <p:tnLst>
+      <p:par>
+        <p:cTn id="1" dur="indefinite" restart="never" nodeType="tmRoot"/>
+      </p:par>
+    </p:tnLst>
+  </p:timing>
+</p:sld>
+</file>
+
+<file path=ppt/slides/slide11.xml><?xml version="1.0" encoding="utf-8"?>
+<p:sld xmlns:a="http://schemas.openxmlformats.org/drawingml/2006/main" xmlns:r="http://schemas.openxmlformats.org/officeDocument/2006/relationships" xmlns:p="http://schemas.openxmlformats.org/presentationml/2006/main">
+  <p:cSld>
+    <p:spTree>
+      <p:nvGrpSpPr>
+        <p:cNvPr id="1" name=""/>
+        <p:cNvGrpSpPr/>
+        <p:nvPr/>
+      </p:nvGrpSpPr>
+      <p:grpSpPr>
+        <a:xfrm>
+          <a:off x="0" y="0"/>
+          <a:ext cx="0" cy="0"/>
+          <a:chOff x="0" y="0"/>
+          <a:chExt cx="0" cy="0"/>
+        </a:xfrm>
+      </p:grpSpPr>
+      <p:sp>
+        <p:nvSpPr>
+          <p:cNvPr id="2" name="TextBox 1"/>
+          <p:cNvSpPr txBox="1"/>
+          <p:nvPr/>
+        </p:nvSpPr>
+        <p:spPr>
+          <a:xfrm>
             <a:off x="168966" y="367748"/>
             <a:ext cx="6591548" cy="1323439"/>
           </a:xfrm>
@@ -6186,15 +6430,7 @@
             <a:pPr algn="just"/>
             <a:r>
               <a:rPr lang="ru-RU" dirty="0" smtClean="0"/>
-              <a:t>При выполнении проекта б</a:t>
-            </a:r>
-            <a:r>
-              <a:rPr lang="ru-RU" dirty="0" smtClean="0"/>
-              <a:t>ыла </a:t>
-            </a:r>
-            <a:r>
-              <a:rPr lang="ru-RU" dirty="0" smtClean="0"/>
-              <a:t>написана функция создания </a:t>
+              <a:t>При выполнении проекта была написана функция создания </a:t>
             </a:r>
             <a:r>
               <a:rPr lang="en-US" dirty="0" smtClean="0"/>
@@ -6242,11 +6478,7 @@
             </a:r>
             <a:r>
               <a:rPr lang="ru-RU" dirty="0" smtClean="0"/>
-              <a:t>которая </a:t>
-            </a:r>
-            <a:r>
-              <a:rPr lang="ru-RU" dirty="0" smtClean="0"/>
-              <a:t>использует </a:t>
+              <a:t>которая использует </a:t>
             </a:r>
             <a:r>
               <a:rPr lang="en-US" dirty="0" smtClean="0"/>
@@ -6461,6 +6693,512 @@
 </p:sld>
 </file>
 
+<file path=ppt/slides/slide12.xml><?xml version="1.0" encoding="utf-8"?>
+<p:sld xmlns:a="http://schemas.openxmlformats.org/drawingml/2006/main" xmlns:r="http://schemas.openxmlformats.org/officeDocument/2006/relationships" xmlns:p="http://schemas.openxmlformats.org/presentationml/2006/main">
+  <p:cSld>
+    <p:spTree>
+      <p:nvGrpSpPr>
+        <p:cNvPr id="1" name=""/>
+        <p:cNvGrpSpPr/>
+        <p:nvPr/>
+      </p:nvGrpSpPr>
+      <p:grpSpPr>
+        <a:xfrm>
+          <a:off x="0" y="0"/>
+          <a:ext cx="0" cy="0"/>
+          <a:chOff x="0" y="0"/>
+          <a:chExt cx="0" cy="0"/>
+        </a:xfrm>
+      </p:grpSpPr>
+      <p:pic>
+        <p:nvPicPr>
+          <p:cNvPr id="3074" name="Picture 2" descr="https://sun1-17.userapi.com/klZcwStkigJdZ5pstmwAiJ-hLQwhMXg0MGXjAA/bl5NQRDzQPA.jpg"/>
+          <p:cNvPicPr>
+            <a:picLocks noChangeAspect="1" noChangeArrowheads="1"/>
+          </p:cNvPicPr>
+          <p:nvPr/>
+        </p:nvPicPr>
+        <p:blipFill>
+          <a:blip r:embed="rId2">
+            <a:extLst>
+              <a:ext uri="{28A0092B-C50C-407E-A947-70E740481C1C}">
+                <a14:useLocalDpi xmlns:a14="http://schemas.microsoft.com/office/drawing/2010/main" val="0"/>
+              </a:ext>
+            </a:extLst>
+          </a:blip>
+          <a:srcRect/>
+          <a:stretch>
+            <a:fillRect/>
+          </a:stretch>
+        </p:blipFill>
+        <p:spPr bwMode="auto">
+          <a:xfrm>
+            <a:off x="0" y="4175641"/>
+            <a:ext cx="12192000" cy="2190750"/>
+          </a:xfrm>
+          <a:prstGeom prst="rect">
+            <a:avLst/>
+          </a:prstGeom>
+          <a:noFill/>
+          <a:extLst>
+            <a:ext uri="{909E8E84-426E-40DD-AFC4-6F175D3DCCD1}">
+              <a14:hiddenFill xmlns:a14="http://schemas.microsoft.com/office/drawing/2010/main">
+                <a:solidFill>
+                  <a:srgbClr val="FFFFFF"/>
+                </a:solidFill>
+              </a14:hiddenFill>
+            </a:ext>
+          </a:extLst>
+        </p:spPr>
+      </p:pic>
+      <p:sp>
+        <p:nvSpPr>
+          <p:cNvPr id="2" name="TextBox 1"/>
+          <p:cNvSpPr txBox="1"/>
+          <p:nvPr/>
+        </p:nvSpPr>
+        <p:spPr>
+          <a:xfrm>
+            <a:off x="193040" y="254000"/>
+            <a:ext cx="5799280" cy="492443"/>
+          </a:xfrm>
+          <a:prstGeom prst="rect">
+            <a:avLst/>
+          </a:prstGeom>
+          <a:noFill/>
+        </p:spPr>
+        <p:txBody>
+          <a:bodyPr wrap="none" rtlCol="0">
+            <a:spAutoFit/>
+          </a:bodyPr>
+          <a:lstStyle/>
+          <a:p>
+            <a:pPr marL="285750" indent="-285750" algn="just">
+              <a:buFont typeface="Arial" panose="020B0604020202020204" pitchFamily="34" charset="0"/>
+              <a:buChar char="•"/>
+            </a:pPr>
+            <a:r>
+              <a:rPr lang="ru-RU" sz="2600" b="1" dirty="0" smtClean="0">
+                <a:latin typeface="Arial" panose="020B0604020202020204" pitchFamily="34" charset="0"/>
+                <a:cs typeface="Arial" panose="020B0604020202020204" pitchFamily="34" charset="0"/>
+              </a:rPr>
+              <a:t>Запуск через командную строку</a:t>
+            </a:r>
+            <a:endParaRPr lang="ru-RU" sz="2600" b="1" dirty="0">
+              <a:latin typeface="Arial" panose="020B0604020202020204" pitchFamily="34" charset="0"/>
+              <a:cs typeface="Arial" panose="020B0604020202020204" pitchFamily="34" charset="0"/>
+            </a:endParaRPr>
+          </a:p>
+        </p:txBody>
+      </p:sp>
+      <p:sp>
+        <p:nvSpPr>
+          <p:cNvPr id="3" name="TextBox 2"/>
+          <p:cNvSpPr txBox="1"/>
+          <p:nvPr/>
+        </p:nvSpPr>
+        <p:spPr>
+          <a:xfrm>
+            <a:off x="181840" y="1036320"/>
+            <a:ext cx="11828320" cy="3139321"/>
+          </a:xfrm>
+          <a:prstGeom prst="rect">
+            <a:avLst/>
+          </a:prstGeom>
+          <a:noFill/>
+        </p:spPr>
+        <p:txBody>
+          <a:bodyPr wrap="square" rtlCol="0">
+            <a:spAutoFit/>
+          </a:bodyPr>
+          <a:lstStyle/>
+          <a:p>
+            <a:pPr marL="342900" indent="-342900" algn="just">
+              <a:buFont typeface="+mj-lt"/>
+              <a:buAutoNum type="arabicPeriod"/>
+            </a:pPr>
+            <a:r>
+              <a:rPr lang="ru-RU" dirty="0" smtClean="0"/>
+              <a:t>Был скачан язык </a:t>
+            </a:r>
+            <a:r>
+              <a:rPr lang="en-US" dirty="0" smtClean="0"/>
+              <a:t>Go </a:t>
+            </a:r>
+            <a:r>
+              <a:rPr lang="ru-RU" dirty="0" smtClean="0"/>
+              <a:t>со стандартными библиотеками.</a:t>
+            </a:r>
+          </a:p>
+          <a:p>
+            <a:pPr marL="342900" indent="-342900" algn="just">
+              <a:buFont typeface="+mj-lt"/>
+              <a:buAutoNum type="arabicPeriod"/>
+            </a:pPr>
+            <a:endParaRPr lang="ru-RU" dirty="0" smtClean="0"/>
+          </a:p>
+          <a:p>
+            <a:pPr marL="342900" indent="-342900" algn="just">
+              <a:buFont typeface="+mj-lt"/>
+              <a:buAutoNum type="arabicPeriod"/>
+            </a:pPr>
+            <a:r>
+              <a:rPr lang="ru-RU" dirty="0" smtClean="0"/>
+              <a:t>Из командной строки была выполнена команда </a:t>
+            </a:r>
+            <a:r>
+              <a:rPr lang="en-US" dirty="0" smtClean="0"/>
+              <a:t>go get</a:t>
+            </a:r>
+            <a:r>
+              <a:rPr lang="ru-RU" dirty="0" smtClean="0"/>
+              <a:t> </a:t>
+            </a:r>
+            <a:r>
+              <a:rPr lang="en-US" dirty="0" smtClean="0"/>
+              <a:t>go.uber.org/cadence</a:t>
+            </a:r>
+            <a:r>
+              <a:rPr lang="ru-RU" dirty="0" smtClean="0"/>
+              <a:t>, при запуске которой происходит следующее: </a:t>
+            </a:r>
+          </a:p>
+          <a:p>
+            <a:pPr marL="800100" lvl="1" indent="-342900" algn="just">
+              <a:buFont typeface="Wingdings" panose="05000000000000000000" pitchFamily="2" charset="2"/>
+              <a:buChar char="§"/>
+            </a:pPr>
+            <a:r>
+              <a:rPr lang="en-US" dirty="0" smtClean="0"/>
+              <a:t>Go </a:t>
+            </a:r>
+            <a:r>
+              <a:rPr lang="ru-RU" dirty="0" smtClean="0"/>
+              <a:t>скачивает исходники пакетов.</a:t>
+            </a:r>
+          </a:p>
+          <a:p>
+            <a:pPr marL="800100" lvl="1" indent="-342900" algn="just">
+              <a:buFont typeface="Wingdings" panose="05000000000000000000" pitchFamily="2" charset="2"/>
+              <a:buChar char="§"/>
+            </a:pPr>
+            <a:r>
+              <a:rPr lang="ru-RU" dirty="0" smtClean="0"/>
+              <a:t>Исполняется команда </a:t>
+            </a:r>
+            <a:r>
+              <a:rPr lang="en-US" dirty="0" smtClean="0"/>
+              <a:t>go install, </a:t>
+            </a:r>
+            <a:r>
+              <a:rPr lang="ru-RU" dirty="0" smtClean="0"/>
+              <a:t>которая компилирует все </a:t>
+            </a:r>
+            <a:r>
+              <a:rPr lang="ru-RU" dirty="0" smtClean="0"/>
+              <a:t>пакеты.</a:t>
+            </a:r>
+            <a:endParaRPr lang="ru-RU" dirty="0" smtClean="0"/>
+          </a:p>
+          <a:p>
+            <a:pPr marL="342900" indent="-342900" algn="just">
+              <a:buFont typeface="+mj-lt"/>
+              <a:buAutoNum type="arabicPeriod"/>
+            </a:pPr>
+            <a:r>
+              <a:rPr lang="ru-RU" dirty="0" smtClean="0"/>
+              <a:t>Был </a:t>
+            </a:r>
+            <a:r>
+              <a:rPr lang="ru-RU" dirty="0"/>
+              <a:t>скачан </a:t>
+            </a:r>
+            <a:r>
+              <a:rPr lang="en-US" dirty="0"/>
+              <a:t>Docker Desktop </a:t>
+            </a:r>
+            <a:r>
+              <a:rPr lang="ru-RU" dirty="0"/>
+              <a:t>и </a:t>
+            </a:r>
+            <a:r>
+              <a:rPr lang="en-US" dirty="0"/>
+              <a:t>cadence image </a:t>
+            </a:r>
+            <a:r>
+              <a:rPr lang="ru-RU" dirty="0"/>
+              <a:t>с </a:t>
+            </a:r>
+            <a:r>
+              <a:rPr lang="en-US" dirty="0"/>
+              <a:t>Docker Hub. </a:t>
+            </a:r>
+            <a:r>
+              <a:rPr lang="ru-RU" dirty="0"/>
+              <a:t>С помощью команды </a:t>
+            </a:r>
+            <a:r>
+              <a:rPr lang="en-US" dirty="0" err="1"/>
+              <a:t>docker</a:t>
+            </a:r>
+            <a:r>
+              <a:rPr lang="en-US" dirty="0"/>
+              <a:t>-compose up </a:t>
+            </a:r>
+            <a:r>
+              <a:rPr lang="ru-RU" dirty="0"/>
+              <a:t>был запущен контейнер, содержащий </a:t>
+            </a:r>
+            <a:r>
+              <a:rPr lang="en-US" dirty="0"/>
+              <a:t>Cadence server </a:t>
+            </a:r>
+            <a:r>
+              <a:rPr lang="ru-RU" dirty="0"/>
+              <a:t>и необходимые приложения для работы с сервером</a:t>
+            </a:r>
+            <a:r>
+              <a:rPr lang="ru-RU" dirty="0" smtClean="0"/>
+              <a:t>.</a:t>
+            </a:r>
+            <a:endParaRPr lang="ru-RU" dirty="0"/>
+          </a:p>
+          <a:p>
+            <a:pPr marL="342900" indent="-342900">
+              <a:buFont typeface="+mj-lt"/>
+              <a:buAutoNum type="arabicPeriod"/>
+            </a:pPr>
+            <a:endParaRPr lang="ru-RU" dirty="0" smtClean="0"/>
+          </a:p>
+          <a:p>
+            <a:pPr marL="342900" indent="-342900">
+              <a:buFont typeface="+mj-lt"/>
+              <a:buAutoNum type="arabicPeriod"/>
+            </a:pPr>
+            <a:r>
+              <a:rPr lang="ru-RU" dirty="0" smtClean="0"/>
+              <a:t>Через команды </a:t>
+            </a:r>
+            <a:r>
+              <a:rPr lang="en-US" dirty="0" smtClean="0"/>
+              <a:t>go run </a:t>
+            </a:r>
+            <a:r>
+              <a:rPr lang="en-US" dirty="0" err="1" smtClean="0"/>
+              <a:t>WorkerService.go</a:t>
+            </a:r>
+            <a:r>
+              <a:rPr lang="en-US" dirty="0" smtClean="0"/>
+              <a:t> </a:t>
+            </a:r>
+            <a:r>
+              <a:rPr lang="ru-RU" dirty="0"/>
+              <a:t> </a:t>
+            </a:r>
+            <a:r>
+              <a:rPr lang="ru-RU" dirty="0" smtClean="0"/>
+              <a:t>и </a:t>
+            </a:r>
+            <a:r>
+              <a:rPr lang="en-US" dirty="0" smtClean="0"/>
+              <a:t>go test  </a:t>
+            </a:r>
+            <a:r>
+              <a:rPr lang="en-US" dirty="0" err="1" smtClean="0"/>
+              <a:t>Wor</a:t>
+            </a:r>
+            <a:r>
+              <a:rPr lang="en-US" dirty="0" err="1"/>
+              <a:t>k</a:t>
+            </a:r>
+            <a:r>
+              <a:rPr lang="en-US" dirty="0" err="1" smtClean="0"/>
+              <a:t>Data_test.go</a:t>
+            </a:r>
+            <a:r>
+              <a:rPr lang="en-US" dirty="0" smtClean="0"/>
+              <a:t> </a:t>
+            </a:r>
+            <a:r>
+              <a:rPr lang="ru-RU" dirty="0" smtClean="0"/>
+              <a:t> была проверена работы программ проекта.</a:t>
+            </a:r>
+            <a:endParaRPr lang="ru-RU" dirty="0" smtClean="0"/>
+          </a:p>
+          <a:p>
+            <a:pPr marL="342900" indent="-342900">
+              <a:buFont typeface="+mj-lt"/>
+              <a:buAutoNum type="arabicPeriod"/>
+            </a:pPr>
+            <a:endParaRPr lang="ru-RU" dirty="0"/>
+          </a:p>
+        </p:txBody>
+      </p:sp>
+    </p:spTree>
+    <p:extLst>
+      <p:ext uri="{BB962C8B-B14F-4D97-AF65-F5344CB8AC3E}">
+        <p14:creationId xmlns:p14="http://schemas.microsoft.com/office/powerpoint/2010/main" val="4277297393"/>
+      </p:ext>
+    </p:extLst>
+  </p:cSld>
+  <p:clrMapOvr>
+    <a:masterClrMapping/>
+  </p:clrMapOvr>
+</p:sld>
+</file>
+
+<file path=ppt/slides/slide13.xml><?xml version="1.0" encoding="utf-8"?>
+<p:sld xmlns:a="http://schemas.openxmlformats.org/drawingml/2006/main" xmlns:r="http://schemas.openxmlformats.org/officeDocument/2006/relationships" xmlns:p="http://schemas.openxmlformats.org/presentationml/2006/main">
+  <p:cSld>
+    <p:spTree>
+      <p:nvGrpSpPr>
+        <p:cNvPr id="1" name=""/>
+        <p:cNvGrpSpPr/>
+        <p:nvPr/>
+      </p:nvGrpSpPr>
+      <p:grpSpPr>
+        <a:xfrm>
+          <a:off x="0" y="0"/>
+          <a:ext cx="0" cy="0"/>
+          <a:chOff x="0" y="0"/>
+          <a:chExt cx="0" cy="0"/>
+        </a:xfrm>
+      </p:grpSpPr>
+      <p:pic>
+        <p:nvPicPr>
+          <p:cNvPr id="1026" name="Picture 2" descr="https://sun1-97.userapi.com/Sx7HnQQFpIoV_nAT0wCNtVYgddRpBygHDbpxlg/az5rFUjhEsI.jpg"/>
+          <p:cNvPicPr>
+            <a:picLocks noChangeAspect="1" noChangeArrowheads="1"/>
+          </p:cNvPicPr>
+          <p:nvPr/>
+        </p:nvPicPr>
+        <p:blipFill>
+          <a:blip r:embed="rId2">
+            <a:extLst>
+              <a:ext uri="{28A0092B-C50C-407E-A947-70E740481C1C}">
+                <a14:useLocalDpi xmlns:a14="http://schemas.microsoft.com/office/drawing/2010/main" val="0"/>
+              </a:ext>
+            </a:extLst>
+          </a:blip>
+          <a:srcRect/>
+          <a:stretch>
+            <a:fillRect/>
+          </a:stretch>
+        </p:blipFill>
+        <p:spPr bwMode="auto">
+          <a:xfrm>
+            <a:off x="440115" y="1717040"/>
+            <a:ext cx="11335326" cy="4799802"/>
+          </a:xfrm>
+          <a:prstGeom prst="rect">
+            <a:avLst/>
+          </a:prstGeom>
+          <a:noFill/>
+          <a:extLst>
+            <a:ext uri="{909E8E84-426E-40DD-AFC4-6F175D3DCCD1}">
+              <a14:hiddenFill xmlns:a14="http://schemas.microsoft.com/office/drawing/2010/main">
+                <a:solidFill>
+                  <a:srgbClr val="FFFFFF"/>
+                </a:solidFill>
+              </a14:hiddenFill>
+            </a:ext>
+          </a:extLst>
+        </p:spPr>
+      </p:pic>
+      <p:sp>
+        <p:nvSpPr>
+          <p:cNvPr id="4" name="TextBox 3"/>
+          <p:cNvSpPr txBox="1"/>
+          <p:nvPr/>
+        </p:nvSpPr>
+        <p:spPr>
+          <a:xfrm>
+            <a:off x="440115" y="254000"/>
+            <a:ext cx="5799280" cy="492443"/>
+          </a:xfrm>
+          <a:prstGeom prst="rect">
+            <a:avLst/>
+          </a:prstGeom>
+          <a:noFill/>
+        </p:spPr>
+        <p:txBody>
+          <a:bodyPr wrap="none" rtlCol="0">
+            <a:spAutoFit/>
+          </a:bodyPr>
+          <a:lstStyle/>
+          <a:p>
+            <a:pPr marL="285750" indent="-285750">
+              <a:buFont typeface="Arial" panose="020B0604020202020204" pitchFamily="34" charset="0"/>
+              <a:buChar char="•"/>
+            </a:pPr>
+            <a:r>
+              <a:rPr lang="ru-RU" sz="2600" b="1" dirty="0">
+                <a:latin typeface="Arial" panose="020B0604020202020204" pitchFamily="34" charset="0"/>
+                <a:cs typeface="Arial" panose="020B0604020202020204" pitchFamily="34" charset="0"/>
+              </a:rPr>
+              <a:t>Запуск через командную </a:t>
+            </a:r>
+            <a:r>
+              <a:rPr lang="ru-RU" sz="2600" b="1" dirty="0" smtClean="0">
+                <a:latin typeface="Arial" panose="020B0604020202020204" pitchFamily="34" charset="0"/>
+                <a:cs typeface="Arial" panose="020B0604020202020204" pitchFamily="34" charset="0"/>
+              </a:rPr>
+              <a:t>строку</a:t>
+            </a:r>
+            <a:endParaRPr lang="ru-RU" sz="2600" b="1" dirty="0">
+              <a:latin typeface="Arial" panose="020B0604020202020204" pitchFamily="34" charset="0"/>
+              <a:cs typeface="Arial" panose="020B0604020202020204" pitchFamily="34" charset="0"/>
+            </a:endParaRPr>
+          </a:p>
+        </p:txBody>
+      </p:sp>
+      <p:sp>
+        <p:nvSpPr>
+          <p:cNvPr id="5" name="TextBox 4"/>
+          <p:cNvSpPr txBox="1"/>
+          <p:nvPr/>
+        </p:nvSpPr>
+        <p:spPr>
+          <a:xfrm>
+            <a:off x="440115" y="1137920"/>
+            <a:ext cx="2656496" cy="369332"/>
+          </a:xfrm>
+          <a:prstGeom prst="rect">
+            <a:avLst/>
+          </a:prstGeom>
+          <a:noFill/>
+        </p:spPr>
+        <p:txBody>
+          <a:bodyPr wrap="none" rtlCol="0">
+            <a:spAutoFit/>
+          </a:bodyPr>
+          <a:lstStyle/>
+          <a:p>
+            <a:r>
+              <a:rPr lang="ru-RU" dirty="0" smtClean="0"/>
+              <a:t>Запуск </a:t>
+            </a:r>
+            <a:r>
+              <a:rPr lang="en-US" dirty="0" err="1" smtClean="0"/>
+              <a:t>WorkData_test.go</a:t>
+            </a:r>
+            <a:endParaRPr lang="ru-RU" dirty="0"/>
+          </a:p>
+        </p:txBody>
+      </p:sp>
+    </p:spTree>
+    <p:extLst>
+      <p:ext uri="{BB962C8B-B14F-4D97-AF65-F5344CB8AC3E}">
+        <p14:creationId xmlns:p14="http://schemas.microsoft.com/office/powerpoint/2010/main" val="2074713776"/>
+      </p:ext>
+    </p:extLst>
+  </p:cSld>
+  <p:clrMapOvr>
+    <a:masterClrMapping/>
+  </p:clrMapOvr>
+</p:sld>
+</file>
+
 <file path=ppt/slides/slide2.xml><?xml version="1.0" encoding="utf-8"?>
 <p:sld xmlns:a="http://schemas.openxmlformats.org/drawingml/2006/main" xmlns:r="http://schemas.openxmlformats.org/officeDocument/2006/relationships" xmlns:p="http://schemas.openxmlformats.org/presentationml/2006/main">
   <p:cSld>
@@ -6579,15 +7317,7 @@
             </a:r>
             <a:r>
               <a:rPr lang="ru-RU" dirty="0" smtClean="0"/>
-              <a:t>– это платформа программирования, которая поддерживает состояние рабочего процесса, скрывая при этом большинство сложностей реализации. Она </a:t>
-            </a:r>
-            <a:r>
-              <a:rPr lang="ru-RU" dirty="0" smtClean="0"/>
-              <a:t>использует </a:t>
-            </a:r>
-            <a:r>
-              <a:rPr lang="ru-RU" dirty="0" smtClean="0"/>
-              <a:t>внутренние очереди (или списки задач), которые используются для обмена информацией с внешними клиентами. </a:t>
+              <a:t>– это платформа программирования, которая поддерживает состояние рабочего процесса, скрывая при этом большинство сложностей реализации. Она использует внутренние очереди (или списки задач), которые используются для обмена информацией с внешними клиентами. </a:t>
             </a:r>
           </a:p>
           <a:p>
@@ -6665,11 +7395,7 @@
             <a:pPr algn="just"/>
             <a:r>
               <a:rPr lang="ru-RU" dirty="0" smtClean="0"/>
-              <a:t>	</a:t>
-            </a:r>
-            <a:r>
-              <a:rPr lang="ru-RU" dirty="0" smtClean="0"/>
-              <a:t>Платформа </a:t>
+              <a:t>	Платформа </a:t>
             </a:r>
             <a:r>
               <a:rPr lang="en-US" dirty="0" smtClean="0"/>
@@ -6681,11 +7407,7 @@
             </a:r>
             <a:r>
               <a:rPr lang="ru-RU" dirty="0" smtClean="0"/>
-              <a:t>разработчикам</a:t>
-            </a:r>
-            <a:r>
-              <a:rPr lang="ru-RU" dirty="0" smtClean="0"/>
-              <a:t> </a:t>
+              <a:t>разработчикам </a:t>
             </a:r>
             <a:r>
               <a:rPr lang="ru-RU" dirty="0"/>
@@ -6732,6 +7454,14 @@
   <p:clrMapOvr>
     <a:masterClrMapping/>
   </p:clrMapOvr>
+  <mc:AlternateContent xmlns:mc="http://schemas.openxmlformats.org/markup-compatibility/2006" xmlns:p14="http://schemas.microsoft.com/office/powerpoint/2010/main">
+    <mc:Choice Requires="p14">
+      <p:transition spd="slow" p14:dur="2000" advTm="1175"/>
+    </mc:Choice>
+    <mc:Fallback xmlns="">
+      <p:transition spd="slow" advTm="1175"/>
+    </mc:Fallback>
+  </mc:AlternateContent>
   <p:timing>
     <p:tnLst>
       <p:par>
@@ -7190,15 +7920,7 @@
             </a:r>
             <a:r>
               <a:rPr lang="ru-RU" dirty="0" smtClean="0"/>
-              <a:t>представляет из себя функцию, которая </a:t>
-            </a:r>
-            <a:r>
-              <a:rPr lang="ru-RU" dirty="0" smtClean="0"/>
-              <a:t>выполн</a:t>
-            </a:r>
-            <a:r>
-              <a:rPr lang="ru-RU" dirty="0" smtClean="0"/>
-              <a:t>яет</a:t>
+              <a:t>представляет из себя функцию, которая выполняет</a:t>
             </a:r>
             <a:r>
               <a:rPr lang="en-US" dirty="0" smtClean="0"/>
@@ -7221,11 +7943,7 @@
             <a:pPr algn="just"/>
             <a:r>
               <a:rPr lang="ru-RU" dirty="0" smtClean="0"/>
-              <a:t>Первый </a:t>
-            </a:r>
-            <a:r>
-              <a:rPr lang="ru-RU" dirty="0" smtClean="0"/>
-              <a:t>параметр, который передается в </a:t>
+              <a:t>Первый параметр, который передается в </a:t>
             </a:r>
             <a:r>
               <a:rPr lang="en-US" dirty="0" smtClean="0"/>
@@ -7264,11 +7982,7 @@
             <a:pPr algn="just"/>
             <a:r>
               <a:rPr lang="ru-RU" dirty="0" smtClean="0"/>
-              <a:t>Остальные </a:t>
-            </a:r>
-            <a:r>
-              <a:rPr lang="ru-RU" dirty="0" smtClean="0"/>
-              <a:t>параметры использую</a:t>
+              <a:t>Остальные параметры использую</a:t>
             </a:r>
             <a:r>
               <a:rPr lang="ru-RU" dirty="0"/>
@@ -7292,15 +8006,7 @@
             </a:r>
             <a:r>
               <a:rPr lang="ru-RU" dirty="0" smtClean="0"/>
-              <a:t> при </a:t>
-            </a:r>
-            <a:r>
-              <a:rPr lang="ru-RU" dirty="0" smtClean="0"/>
-              <a:t>запуске</a:t>
-            </a:r>
-            <a:r>
-              <a:rPr lang="ru-RU" dirty="0" smtClean="0"/>
-              <a:t>. </a:t>
+              <a:t> при запуске. </a:t>
             </a:r>
             <a:r>
               <a:rPr lang="en-US" dirty="0" smtClean="0"/>
@@ -7359,6 +8065,226 @@
         </p:nvSpPr>
         <p:spPr>
           <a:xfrm>
+            <a:off x="156754" y="531224"/>
+            <a:ext cx="3362587" cy="492443"/>
+          </a:xfrm>
+          <a:prstGeom prst="rect">
+            <a:avLst/>
+          </a:prstGeom>
+          <a:noFill/>
+        </p:spPr>
+        <p:txBody>
+          <a:bodyPr wrap="none" rtlCol="0">
+            <a:spAutoFit/>
+          </a:bodyPr>
+          <a:lstStyle/>
+          <a:p>
+            <a:pPr marL="285750" indent="-285750">
+              <a:buFont typeface="Arial" panose="020B0604020202020204" pitchFamily="34" charset="0"/>
+              <a:buChar char="•"/>
+            </a:pPr>
+            <a:r>
+              <a:rPr lang="ru-RU" sz="2600" b="1" dirty="0" smtClean="0">
+                <a:latin typeface="Arial" panose="020B0604020202020204" pitchFamily="34" charset="0"/>
+                <a:cs typeface="Arial" panose="020B0604020202020204" pitchFamily="34" charset="0"/>
+              </a:rPr>
+              <a:t>Система </a:t>
+            </a:r>
+            <a:r>
+              <a:rPr lang="en-US" sz="2600" b="1" dirty="0" smtClean="0">
+                <a:latin typeface="Arial" panose="020B0604020202020204" pitchFamily="34" charset="0"/>
+                <a:cs typeface="Arial" panose="020B0604020202020204" pitchFamily="34" charset="0"/>
+              </a:rPr>
+              <a:t>Cadence</a:t>
+            </a:r>
+            <a:endParaRPr lang="ru-RU" sz="2600" b="1" dirty="0">
+              <a:latin typeface="Arial" panose="020B0604020202020204" pitchFamily="34" charset="0"/>
+              <a:cs typeface="Arial" panose="020B0604020202020204" pitchFamily="34" charset="0"/>
+            </a:endParaRPr>
+          </a:p>
+        </p:txBody>
+      </p:sp>
+      <p:pic>
+        <p:nvPicPr>
+          <p:cNvPr id="1026" name="Picture 2" descr="https://sun1-27.userapi.com/BcU4EJsviYzlahwmFRIJlEWSS267e9NtHGQQ8Q/-rukbngvmuk.jpg"/>
+          <p:cNvPicPr>
+            <a:picLocks noChangeAspect="1" noChangeArrowheads="1"/>
+          </p:cNvPicPr>
+          <p:nvPr/>
+        </p:nvPicPr>
+        <p:blipFill>
+          <a:blip r:embed="rId2">
+            <a:extLst>
+              <a:ext uri="{28A0092B-C50C-407E-A947-70E740481C1C}">
+                <a14:useLocalDpi xmlns:a14="http://schemas.microsoft.com/office/drawing/2010/main" val="0"/>
+              </a:ext>
+            </a:extLst>
+          </a:blip>
+          <a:srcRect/>
+          <a:stretch>
+            <a:fillRect/>
+          </a:stretch>
+        </p:blipFill>
+        <p:spPr bwMode="auto">
+          <a:xfrm>
+            <a:off x="4582503" y="2716223"/>
+            <a:ext cx="7252446" cy="3869861"/>
+          </a:xfrm>
+          <a:prstGeom prst="rect">
+            <a:avLst/>
+          </a:prstGeom>
+          <a:noFill/>
+          <a:extLst>
+            <a:ext uri="{909E8E84-426E-40DD-AFC4-6F175D3DCCD1}">
+              <a14:hiddenFill xmlns:a14="http://schemas.microsoft.com/office/drawing/2010/main">
+                <a:solidFill>
+                  <a:srgbClr val="FFFFFF"/>
+                </a:solidFill>
+              </a14:hiddenFill>
+            </a:ext>
+          </a:extLst>
+        </p:spPr>
+      </p:pic>
+      <p:sp>
+        <p:nvSpPr>
+          <p:cNvPr id="3" name="TextBox 2"/>
+          <p:cNvSpPr txBox="1"/>
+          <p:nvPr/>
+        </p:nvSpPr>
+        <p:spPr>
+          <a:xfrm>
+            <a:off x="156755" y="1238895"/>
+            <a:ext cx="11855952" cy="1477328"/>
+          </a:xfrm>
+          <a:prstGeom prst="rect">
+            <a:avLst/>
+          </a:prstGeom>
+          <a:noFill/>
+        </p:spPr>
+        <p:txBody>
+          <a:bodyPr wrap="square" rtlCol="0">
+            <a:spAutoFit/>
+          </a:bodyPr>
+          <a:lstStyle/>
+          <a:p>
+            <a:pPr algn="just"/>
+            <a:r>
+              <a:rPr lang="ru-RU" dirty="0" smtClean="0"/>
+              <a:t>	Система </a:t>
+            </a:r>
+            <a:r>
+              <a:rPr lang="en-US" dirty="0" smtClean="0"/>
+              <a:t>Cadence </a:t>
+            </a:r>
+            <a:r>
+              <a:rPr lang="ru-RU" dirty="0" smtClean="0"/>
+              <a:t>может быть основой для бизнес проекта, при этом она позволяет разработчику писать код, реализующий бизнес идею, потому что об остальном позаботиться сама система. Например, </a:t>
+            </a:r>
+            <a:r>
+              <a:rPr lang="en-US" dirty="0" smtClean="0"/>
+              <a:t>Cadence </a:t>
+            </a:r>
+            <a:r>
+              <a:rPr lang="ru-RU" dirty="0" smtClean="0"/>
+              <a:t>можно использовать в приложении для организации путешествия. В качестве </a:t>
+            </a:r>
+            <a:r>
+              <a:rPr lang="en-US" dirty="0" smtClean="0"/>
+              <a:t>activity </a:t>
+            </a:r>
+            <a:r>
+              <a:rPr lang="ru-RU" dirty="0" smtClean="0"/>
+              <a:t>можно рассматривать следующие функции: заказ билетов, бронирование свободного номера в гостинице, выбор машины для путешествия, оплата заказа и </a:t>
+            </a:r>
+            <a:r>
+              <a:rPr lang="ru-RU" dirty="0" err="1" smtClean="0"/>
+              <a:t>тд</a:t>
+            </a:r>
+            <a:r>
+              <a:rPr lang="ru-RU" dirty="0" smtClean="0"/>
+              <a:t>.</a:t>
+            </a:r>
+            <a:endParaRPr lang="ru-RU" dirty="0"/>
+          </a:p>
+        </p:txBody>
+      </p:sp>
+      <p:sp>
+        <p:nvSpPr>
+          <p:cNvPr id="4" name="TextBox 3"/>
+          <p:cNvSpPr txBox="1"/>
+          <p:nvPr/>
+        </p:nvSpPr>
+        <p:spPr>
+          <a:xfrm>
+            <a:off x="156754" y="2716223"/>
+            <a:ext cx="4280776" cy="1754326"/>
+          </a:xfrm>
+          <a:prstGeom prst="rect">
+            <a:avLst/>
+          </a:prstGeom>
+          <a:noFill/>
+        </p:spPr>
+        <p:txBody>
+          <a:bodyPr wrap="square" rtlCol="0">
+            <a:spAutoFit/>
+          </a:bodyPr>
+          <a:lstStyle/>
+          <a:p>
+            <a:pPr algn="just"/>
+            <a:r>
+              <a:rPr lang="ru-RU" dirty="0" smtClean="0"/>
+              <a:t>Для организации последовательности выполнения этих действий используется </a:t>
+            </a:r>
+            <a:r>
+              <a:rPr lang="en-US" dirty="0" smtClean="0"/>
+              <a:t>workflow</a:t>
+            </a:r>
+            <a:r>
+              <a:rPr lang="ru-RU" dirty="0" smtClean="0"/>
+              <a:t>, который может так же проверять статус выполнения действий и отменять все предыдущие решения при невыполнении текущего действия. </a:t>
+            </a:r>
+            <a:endParaRPr lang="ru-RU" dirty="0"/>
+          </a:p>
+        </p:txBody>
+      </p:sp>
+    </p:spTree>
+    <p:extLst>
+      <p:ext uri="{BB962C8B-B14F-4D97-AF65-F5344CB8AC3E}">
+        <p14:creationId xmlns:p14="http://schemas.microsoft.com/office/powerpoint/2010/main" val="3330746615"/>
+      </p:ext>
+    </p:extLst>
+  </p:cSld>
+  <p:clrMapOvr>
+    <a:masterClrMapping/>
+  </p:clrMapOvr>
+</p:sld>
+</file>
+
+<file path=ppt/slides/slide6.xml><?xml version="1.0" encoding="utf-8"?>
+<p:sld xmlns:a="http://schemas.openxmlformats.org/drawingml/2006/main" xmlns:r="http://schemas.openxmlformats.org/officeDocument/2006/relationships" xmlns:p="http://schemas.openxmlformats.org/presentationml/2006/main">
+  <p:cSld>
+    <p:spTree>
+      <p:nvGrpSpPr>
+        <p:cNvPr id="1" name=""/>
+        <p:cNvGrpSpPr/>
+        <p:nvPr/>
+      </p:nvGrpSpPr>
+      <p:grpSpPr>
+        <a:xfrm>
+          <a:off x="0" y="0"/>
+          <a:ext cx="0" cy="0"/>
+          <a:chOff x="0" y="0"/>
+          <a:chExt cx="0" cy="0"/>
+        </a:xfrm>
+      </p:grpSpPr>
+      <p:sp>
+        <p:nvSpPr>
+          <p:cNvPr id="2" name="TextBox 1"/>
+          <p:cNvSpPr txBox="1"/>
+          <p:nvPr/>
+        </p:nvSpPr>
+        <p:spPr>
+          <a:xfrm>
             <a:off x="178904" y="318052"/>
             <a:ext cx="5358903" cy="492443"/>
           </a:xfrm>
@@ -7768,232 +8694,6 @@
     <p:extLst>
       <p:ext uri="{BB962C8B-B14F-4D97-AF65-F5344CB8AC3E}">
         <p14:creationId xmlns:p14="http://schemas.microsoft.com/office/powerpoint/2010/main" val="448086925"/>
-      </p:ext>
-    </p:extLst>
-  </p:cSld>
-  <p:clrMapOvr>
-    <a:masterClrMapping/>
-  </p:clrMapOvr>
-  <p:timing>
-    <p:tnLst>
-      <p:par>
-        <p:cTn id="1" dur="indefinite" restart="never" nodeType="tmRoot"/>
-      </p:par>
-    </p:tnLst>
-  </p:timing>
-</p:sld>
-</file>
-
-<file path=ppt/slides/slide6.xml><?xml version="1.0" encoding="utf-8"?>
-<p:sld xmlns:a="http://schemas.openxmlformats.org/drawingml/2006/main" xmlns:r="http://schemas.openxmlformats.org/officeDocument/2006/relationships" xmlns:p="http://schemas.openxmlformats.org/presentationml/2006/main">
-  <p:cSld>
-    <p:spTree>
-      <p:nvGrpSpPr>
-        <p:cNvPr id="1" name=""/>
-        <p:cNvGrpSpPr/>
-        <p:nvPr/>
-      </p:nvGrpSpPr>
-      <p:grpSpPr>
-        <a:xfrm>
-          <a:off x="0" y="0"/>
-          <a:ext cx="0" cy="0"/>
-          <a:chOff x="0" y="0"/>
-          <a:chExt cx="0" cy="0"/>
-        </a:xfrm>
-      </p:grpSpPr>
-      <p:sp>
-        <p:nvSpPr>
-          <p:cNvPr id="2" name="TextBox 1"/>
-          <p:cNvSpPr txBox="1"/>
-          <p:nvPr/>
-        </p:nvSpPr>
-        <p:spPr>
-          <a:xfrm>
-            <a:off x="168965" y="198783"/>
-            <a:ext cx="5660204" cy="892552"/>
-          </a:xfrm>
-          <a:prstGeom prst="rect">
-            <a:avLst/>
-          </a:prstGeom>
-          <a:noFill/>
-        </p:spPr>
-        <p:txBody>
-          <a:bodyPr wrap="none" rtlCol="0">
-            <a:spAutoFit/>
-          </a:bodyPr>
-          <a:lstStyle/>
-          <a:p>
-            <a:pPr marL="285750" indent="-285750">
-              <a:buFont typeface="Arial" panose="020B0604020202020204" pitchFamily="34" charset="0"/>
-              <a:buChar char="•"/>
-            </a:pPr>
-            <a:r>
-              <a:rPr lang="ru-RU" sz="2600" b="1" dirty="0">
-                <a:latin typeface="Arial" panose="020B0604020202020204" pitchFamily="34" charset="0"/>
-                <a:cs typeface="Arial" panose="020B0604020202020204" pitchFamily="34" charset="0"/>
-              </a:rPr>
-              <a:t>Работа над проектом. </a:t>
-            </a:r>
-            <a:r>
-              <a:rPr lang="en-US" sz="2600" b="1" dirty="0" smtClean="0">
-                <a:latin typeface="Arial" panose="020B0604020202020204" pitchFamily="34" charset="0"/>
-                <a:cs typeface="Arial" panose="020B0604020202020204" pitchFamily="34" charset="0"/>
-              </a:rPr>
-              <a:t>Workflow</a:t>
-            </a:r>
-            <a:endParaRPr lang="ru-RU" sz="2600" b="1" dirty="0">
-              <a:latin typeface="Arial" panose="020B0604020202020204" pitchFamily="34" charset="0"/>
-              <a:cs typeface="Arial" panose="020B0604020202020204" pitchFamily="34" charset="0"/>
-            </a:endParaRPr>
-          </a:p>
-          <a:p>
-            <a:pPr marL="285750" indent="-285750">
-              <a:buFont typeface="Arial" panose="020B0604020202020204" pitchFamily="34" charset="0"/>
-              <a:buChar char="•"/>
-            </a:pPr>
-            <a:endParaRPr lang="ru-RU" sz="2600" dirty="0"/>
-          </a:p>
-        </p:txBody>
-      </p:sp>
-      <p:sp>
-        <p:nvSpPr>
-          <p:cNvPr id="3" name="TextBox 2"/>
-          <p:cNvSpPr txBox="1"/>
-          <p:nvPr/>
-        </p:nvSpPr>
-        <p:spPr>
-          <a:xfrm>
-            <a:off x="327991" y="982005"/>
-            <a:ext cx="11628783" cy="646331"/>
-          </a:xfrm>
-          <a:prstGeom prst="rect">
-            <a:avLst/>
-          </a:prstGeom>
-          <a:noFill/>
-        </p:spPr>
-        <p:txBody>
-          <a:bodyPr wrap="square" rtlCol="0">
-            <a:spAutoFit/>
-          </a:bodyPr>
-          <a:lstStyle/>
-          <a:p>
-            <a:r>
-              <a:rPr lang="ru-RU" dirty="0" smtClean="0"/>
-              <a:t>	</a:t>
-            </a:r>
-            <a:r>
-              <a:rPr lang="en-US" dirty="0" err="1" smtClean="0"/>
-              <a:t>InfWorkflow</a:t>
-            </a:r>
-            <a:r>
-              <a:rPr lang="en-US" dirty="0" smtClean="0"/>
-              <a:t> </a:t>
-            </a:r>
-            <a:r>
-              <a:rPr lang="ru-RU" dirty="0" smtClean="0"/>
-              <a:t>запускает на выполнение </a:t>
-            </a:r>
-            <a:r>
-              <a:rPr lang="en-US" dirty="0"/>
-              <a:t>Activity </a:t>
-            </a:r>
-            <a:r>
-              <a:rPr lang="en-US" dirty="0" err="1"/>
-              <a:t>InfoStruct</a:t>
-            </a:r>
-            <a:r>
-              <a:rPr lang="en-US" dirty="0"/>
-              <a:t> </a:t>
-            </a:r>
-            <a:r>
-              <a:rPr lang="ru-RU" dirty="0" smtClean="0"/>
-              <a:t>и </a:t>
-            </a:r>
-            <a:r>
-              <a:rPr lang="en-US" dirty="0"/>
-              <a:t>Activity </a:t>
-            </a:r>
-            <a:r>
-              <a:rPr lang="en-US" dirty="0" err="1" smtClean="0"/>
-              <a:t>InfoStrustResult</a:t>
-            </a:r>
-            <a:r>
-              <a:rPr lang="ru-RU" dirty="0" smtClean="0"/>
-              <a:t> в нужном порядке и возвращает результат работы в переменной </a:t>
-            </a:r>
-            <a:r>
-              <a:rPr lang="en-US" dirty="0" smtClean="0"/>
-              <a:t>result </a:t>
-            </a:r>
-            <a:r>
-              <a:rPr lang="ru-RU" dirty="0" smtClean="0"/>
-              <a:t>вместе со строкой «</a:t>
-            </a:r>
-            <a:r>
-              <a:rPr lang="en-US" dirty="0" smtClean="0"/>
-              <a:t>Result is</a:t>
-            </a:r>
-            <a:r>
-              <a:rPr lang="ru-RU" dirty="0" smtClean="0"/>
-              <a:t>»</a:t>
-            </a:r>
-            <a:r>
-              <a:rPr lang="en-US" dirty="0" smtClean="0"/>
-              <a:t> </a:t>
-            </a:r>
-            <a:r>
-              <a:rPr lang="en-US" dirty="0"/>
-              <a:t>.</a:t>
-            </a:r>
-            <a:endParaRPr lang="ru-RU" dirty="0"/>
-          </a:p>
-        </p:txBody>
-      </p:sp>
-      <p:pic>
-        <p:nvPicPr>
-          <p:cNvPr id="2052" name="Picture 4" descr="https://sun1-18.userapi.com/_eb_fplJCU40WsYzJo4yOQVH3eobqKbs3m3vzw/ama5KtPevoE.jpg"/>
-          <p:cNvPicPr>
-            <a:picLocks noChangeAspect="1" noChangeArrowheads="1"/>
-          </p:cNvPicPr>
-          <p:nvPr/>
-        </p:nvPicPr>
-        <p:blipFill>
-          <a:blip r:embed="rId2">
-            <a:extLst>
-              <a:ext uri="{28A0092B-C50C-407E-A947-70E740481C1C}">
-                <a14:useLocalDpi xmlns:a14="http://schemas.microsoft.com/office/drawing/2010/main" val="0"/>
-              </a:ext>
-            </a:extLst>
-          </a:blip>
-          <a:srcRect/>
-          <a:stretch>
-            <a:fillRect/>
-          </a:stretch>
-        </p:blipFill>
-        <p:spPr bwMode="auto">
-          <a:xfrm>
-            <a:off x="473627" y="1739349"/>
-            <a:ext cx="6722303" cy="4999382"/>
-          </a:xfrm>
-          <a:prstGeom prst="rect">
-            <a:avLst/>
-          </a:prstGeom>
-          <a:noFill/>
-          <a:extLst>
-            <a:ext uri="{909E8E84-426E-40DD-AFC4-6F175D3DCCD1}">
-              <a14:hiddenFill xmlns:a14="http://schemas.microsoft.com/office/drawing/2010/main">
-                <a:solidFill>
-                  <a:srgbClr val="FFFFFF"/>
-                </a:solidFill>
-              </a14:hiddenFill>
-            </a:ext>
-          </a:extLst>
-        </p:spPr>
-      </p:pic>
-    </p:spTree>
-    <p:extLst>
-      <p:ext uri="{BB962C8B-B14F-4D97-AF65-F5344CB8AC3E}">
-        <p14:creationId xmlns:p14="http://schemas.microsoft.com/office/powerpoint/2010/main" val="786000964"/>
       </p:ext>
     </p:extLst>
   </p:cSld>
@@ -8035,8 +8735,8 @@
         </p:nvSpPr>
         <p:spPr>
           <a:xfrm>
-            <a:off x="238540" y="573639"/>
-            <a:ext cx="6849439" cy="1046440"/>
+            <a:off x="168965" y="198783"/>
+            <a:ext cx="5660204" cy="892552"/>
           </a:xfrm>
           <a:prstGeom prst="rect">
             <a:avLst/>
@@ -8061,13 +8761,6 @@
               <a:t>Работа над проектом. </a:t>
             </a:r>
             <a:r>
-              <a:rPr lang="ru-RU" sz="2600" b="1" dirty="0" smtClean="0">
-                <a:latin typeface="Arial" panose="020B0604020202020204" pitchFamily="34" charset="0"/>
-                <a:cs typeface="Arial" panose="020B0604020202020204" pitchFamily="34" charset="0"/>
-              </a:rPr>
-              <a:t>Тесты. </a:t>
-            </a:r>
-            <a:r>
               <a:rPr lang="en-US" sz="2600" b="1" dirty="0" smtClean="0">
                 <a:latin typeface="Arial" panose="020B0604020202020204" pitchFamily="34" charset="0"/>
                 <a:cs typeface="Arial" panose="020B0604020202020204" pitchFamily="34" charset="0"/>
@@ -8084,16 +8777,107 @@
               <a:buFont typeface="Arial" panose="020B0604020202020204" pitchFamily="34" charset="0"/>
               <a:buChar char="•"/>
             </a:pPr>
-            <a:endParaRPr lang="ru-RU" dirty="0"/>
-          </a:p>
-          <a:p>
+            <a:endParaRPr lang="ru-RU" sz="2600" dirty="0"/>
+          </a:p>
+        </p:txBody>
+      </p:sp>
+      <p:sp>
+        <p:nvSpPr>
+          <p:cNvPr id="3" name="TextBox 2"/>
+          <p:cNvSpPr txBox="1"/>
+          <p:nvPr/>
+        </p:nvSpPr>
+        <p:spPr>
+          <a:xfrm>
+            <a:off x="327991" y="982005"/>
+            <a:ext cx="11628783" cy="646331"/>
+          </a:xfrm>
+          <a:prstGeom prst="rect">
+            <a:avLst/>
+          </a:prstGeom>
+          <a:noFill/>
+        </p:spPr>
+        <p:txBody>
+          <a:bodyPr wrap="square" rtlCol="0">
+            <a:spAutoFit/>
+          </a:bodyPr>
+          <a:lstStyle/>
+          <a:p>
+            <a:r>
+              <a:rPr lang="ru-RU" dirty="0" smtClean="0"/>
+              <a:t>	</a:t>
+            </a:r>
+            <a:r>
+              <a:rPr lang="en-US" dirty="0" err="1" smtClean="0"/>
+              <a:t>InfWorkflow</a:t>
+            </a:r>
+            <a:r>
+              <a:rPr lang="en-US" dirty="0" smtClean="0"/>
+              <a:t> </a:t>
+            </a:r>
+            <a:r>
+              <a:rPr lang="ru-RU" dirty="0" smtClean="0"/>
+              <a:t>запускает на выполнение </a:t>
+            </a:r>
+            <a:r>
+              <a:rPr lang="en-US" dirty="0"/>
+              <a:t>Activity </a:t>
+            </a:r>
+            <a:r>
+              <a:rPr lang="en-US" dirty="0" err="1"/>
+              <a:t>InfoStruct</a:t>
+            </a:r>
+            <a:r>
+              <a:rPr lang="en-US" dirty="0"/>
+              <a:t> </a:t>
+            </a:r>
+            <a:r>
+              <a:rPr lang="ru-RU" dirty="0" smtClean="0"/>
+              <a:t>и </a:t>
+            </a:r>
+            <a:r>
+              <a:rPr lang="en-US" dirty="0"/>
+              <a:t>Activity </a:t>
+            </a:r>
+            <a:r>
+              <a:rPr lang="en-US" dirty="0" err="1" smtClean="0"/>
+              <a:t>InfoStrustResult</a:t>
+            </a:r>
+            <a:r>
+              <a:rPr lang="ru-RU" dirty="0" smtClean="0"/>
+              <a:t> в нужном порядке и возвращает результат работы в переменной </a:t>
+            </a:r>
+            <a:r>
+              <a:rPr lang="en-US" dirty="0" smtClean="0"/>
+              <a:t>result </a:t>
+            </a:r>
+            <a:r>
+              <a:rPr lang="ru-RU" dirty="0" smtClean="0"/>
+              <a:t>вместе со строкой «</a:t>
+            </a:r>
+            <a:r>
+              <a:rPr lang="en-US" dirty="0" smtClean="0"/>
+              <a:t>Result is</a:t>
+            </a:r>
+            <a:r>
+              <a:rPr lang="ru-RU" dirty="0" smtClean="0"/>
+              <a:t>»</a:t>
+            </a:r>
+            <a:r>
+              <a:rPr lang="en-US" dirty="0" smtClean="0"/>
+              <a:t> </a:t>
+            </a:r>
+            <a:r>
+              <a:rPr lang="en-US" dirty="0"/>
+              <a:t>.</a:t>
+            </a:r>
             <a:endParaRPr lang="ru-RU" dirty="0"/>
           </a:p>
         </p:txBody>
       </p:sp>
       <p:pic>
         <p:nvPicPr>
-          <p:cNvPr id="3078" name="Picture 6" descr="https://sun1-47.userapi.com/0upVRRxnDoUFpIFrXtG2sv7f_mCMj2JXdOK6rA/2WiJdHqo1q8.jpg"/>
+          <p:cNvPr id="2052" name="Picture 4" descr="https://sun1-18.userapi.com/_eb_fplJCU40WsYzJo4yOQVH3eobqKbs3m3vzw/ama5KtPevoE.jpg"/>
           <p:cNvPicPr>
             <a:picLocks noChangeAspect="1" noChangeArrowheads="1"/>
           </p:cNvPicPr>
@@ -8114,8 +8898,8 @@
         </p:blipFill>
         <p:spPr bwMode="auto">
           <a:xfrm>
-            <a:off x="2683565" y="3940935"/>
-            <a:ext cx="6102626" cy="2346531"/>
+            <a:off x="473627" y="1739349"/>
+            <a:ext cx="6722303" cy="4999382"/>
           </a:xfrm>
           <a:prstGeom prst="rect">
             <a:avLst/>
@@ -8132,244 +8916,10 @@
           </a:extLst>
         </p:spPr>
       </p:pic>
-      <p:sp>
-        <p:nvSpPr>
-          <p:cNvPr id="12" name="TextBox 11"/>
-          <p:cNvSpPr txBox="1"/>
-          <p:nvPr/>
-        </p:nvSpPr>
-        <p:spPr>
-          <a:xfrm>
-            <a:off x="437321" y="1620079"/>
-            <a:ext cx="11467296" cy="1477328"/>
-          </a:xfrm>
-          <a:prstGeom prst="rect">
-            <a:avLst/>
-          </a:prstGeom>
-          <a:noFill/>
-        </p:spPr>
-        <p:txBody>
-          <a:bodyPr wrap="square" rtlCol="0">
-            <a:spAutoFit/>
-          </a:bodyPr>
-          <a:lstStyle/>
-          <a:p>
-            <a:pPr algn="just"/>
-            <a:r>
-              <a:rPr lang="ru-RU" dirty="0" smtClean="0"/>
-              <a:t>	Данный тест проверяет корректность работы </a:t>
-            </a:r>
-            <a:r>
-              <a:rPr lang="en-US" dirty="0" smtClean="0"/>
-              <a:t>workflow. </a:t>
-            </a:r>
-            <a:r>
-              <a:rPr lang="ru-RU" dirty="0" smtClean="0"/>
-              <a:t>Вызов </a:t>
-            </a:r>
-            <a:r>
-              <a:rPr lang="en-US" dirty="0" err="1" smtClean="0"/>
-              <a:t>s.env.ExecuteWorkflow</a:t>
-            </a:r>
-            <a:r>
-              <a:rPr lang="en-US" dirty="0" smtClean="0"/>
-              <a:t>(…)</a:t>
-            </a:r>
-            <a:r>
-              <a:rPr lang="ru-RU" dirty="0" smtClean="0"/>
-              <a:t> запускает на выполнение </a:t>
-            </a:r>
-            <a:r>
-              <a:rPr lang="en-US" dirty="0" smtClean="0"/>
-              <a:t>workflow</a:t>
-            </a:r>
-            <a:r>
-              <a:rPr lang="ru-RU" dirty="0" smtClean="0"/>
-              <a:t>, </a:t>
-            </a:r>
-            <a:r>
-              <a:rPr lang="en-US" dirty="0" smtClean="0"/>
-              <a:t>c </a:t>
-            </a:r>
-            <a:r>
-              <a:rPr lang="ru-RU" dirty="0" smtClean="0"/>
-              <a:t>прописанными внутри </a:t>
-            </a:r>
-            <a:r>
-              <a:rPr lang="en-US" dirty="0" smtClean="0"/>
-              <a:t>activity. </a:t>
-            </a:r>
-            <a:r>
-              <a:rPr lang="ru-RU" dirty="0" smtClean="0"/>
-              <a:t>Первый параметр –</a:t>
-            </a:r>
-            <a:r>
-              <a:rPr lang="en-US" dirty="0" smtClean="0"/>
-              <a:t> </a:t>
-            </a:r>
-            <a:r>
-              <a:rPr lang="ru-RU" dirty="0" smtClean="0"/>
-              <a:t>имя </a:t>
-            </a:r>
-            <a:r>
-              <a:rPr lang="en-US" dirty="0" smtClean="0"/>
-              <a:t>workflow, </a:t>
-            </a:r>
-            <a:r>
-              <a:rPr lang="ru-RU" dirty="0" smtClean="0"/>
-              <a:t>следующие параметры содержат пользовательские данные, необходимые для запуска</a:t>
-            </a:r>
-            <a:r>
-              <a:rPr lang="en-US" dirty="0" smtClean="0"/>
-              <a:t>. </a:t>
-            </a:r>
-            <a:r>
-              <a:rPr lang="ru-RU" dirty="0" smtClean="0"/>
-              <a:t>После выполнения </a:t>
-            </a:r>
-            <a:r>
-              <a:rPr lang="en-US" dirty="0" smtClean="0"/>
-              <a:t>workflow, </a:t>
-            </a:r>
-            <a:r>
-              <a:rPr lang="ru-RU" dirty="0" smtClean="0"/>
-              <a:t>возвращается статус </a:t>
-            </a:r>
-            <a:r>
-              <a:rPr lang="ru-RU" dirty="0" smtClean="0"/>
-              <a:t>завершения посредством вызова </a:t>
-            </a:r>
-            <a:r>
-              <a:rPr lang="en-US" dirty="0" err="1" smtClean="0"/>
-              <a:t>s.env.IsWorflowCompleted</a:t>
-            </a:r>
-            <a:r>
-              <a:rPr lang="en-US" dirty="0" smtClean="0"/>
-              <a:t>. </a:t>
-            </a:r>
-            <a:r>
-              <a:rPr lang="ru-RU" dirty="0" smtClean="0"/>
-              <a:t>Возвращаемое значение вызова </a:t>
-            </a:r>
-            <a:r>
-              <a:rPr lang="en-US" dirty="0" err="1" smtClean="0"/>
-              <a:t>s.env.GetWorkflowError</a:t>
-            </a:r>
-            <a:r>
-              <a:rPr lang="ru-RU" dirty="0" smtClean="0"/>
-              <a:t> проверяет выполнение </a:t>
-            </a:r>
-            <a:r>
-              <a:rPr lang="en-US" dirty="0" smtClean="0"/>
-              <a:t>workflow</a:t>
-            </a:r>
-            <a:r>
-              <a:rPr lang="ru-RU" dirty="0" smtClean="0"/>
-              <a:t> на наличие ошибок.</a:t>
-            </a:r>
-            <a:endParaRPr lang="ru-RU" dirty="0"/>
-          </a:p>
-        </p:txBody>
-      </p:sp>
-      <p:sp>
-        <p:nvSpPr>
-          <p:cNvPr id="13" name="Rectangle 9"/>
-          <p:cNvSpPr>
-            <a:spLocks noChangeArrowheads="1"/>
-          </p:cNvSpPr>
-          <p:nvPr/>
-        </p:nvSpPr>
-        <p:spPr bwMode="auto">
-          <a:xfrm>
-            <a:off x="0" y="179864"/>
-            <a:ext cx="22442" cy="97471"/>
-          </a:xfrm>
-          <a:prstGeom prst="rect">
-            <a:avLst/>
-          </a:prstGeom>
-          <a:solidFill>
-            <a:srgbClr val="F8F9FA"/>
-          </a:solidFill>
-          <a:ln>
-            <a:noFill/>
-          </a:ln>
-          <a:effectLst/>
-          <a:extLst>
-            <a:ext uri="{91240B29-F687-4F45-9708-019B960494DF}">
-              <a14:hiddenLine xmlns:a14="http://schemas.microsoft.com/office/drawing/2010/main" w="9525">
-                <a:solidFill>
-                  <a:schemeClr val="tx1"/>
-                </a:solidFill>
-                <a:miter lim="800000"/>
-                <a:headEnd/>
-                <a:tailEnd/>
-              </a14:hiddenLine>
-            </a:ext>
-            <a:ext uri="{AF507438-7753-43E0-B8FC-AC1667EBCBE1}">
-              <a14:hiddenEffects xmlns:a14="http://schemas.microsoft.com/office/drawing/2010/main">
-                <a:effectLst>
-                  <a:outerShdw dist="35921" dir="2700000" algn="ctr" rotWithShape="0">
-                    <a:schemeClr val="bg2"/>
-                  </a:outerShdw>
-                </a:effectLst>
-              </a14:hiddenEffects>
-            </a:ext>
-          </a:extLst>
-        </p:spPr>
-        <p:txBody>
-          <a:bodyPr vert="horz" wrap="none" lIns="0" tIns="-12696" rIns="0" bIns="-12696" numCol="1" anchor="ctr" anchorCtr="0" compatLnSpc="1">
-            <a:prstTxWarp prst="textNoShape">
-              <a:avLst/>
-            </a:prstTxWarp>
-            <a:spAutoFit/>
-          </a:bodyPr>
-          <a:lstStyle/>
-          <a:p>
-            <a:pPr marL="0" marR="0" lvl="0" indent="0" algn="l" defTabSz="914400" rtl="0" eaLnBrk="0" fontAlgn="base" latinLnBrk="0" hangingPunct="0">
-              <a:lnSpc>
-                <a:spcPct val="100000"/>
-              </a:lnSpc>
-              <a:spcBef>
-                <a:spcPct val="0"/>
-              </a:spcBef>
-              <a:spcAft>
-                <a:spcPct val="0"/>
-              </a:spcAft>
-              <a:buClrTx/>
-              <a:buSzTx/>
-              <a:buFontTx/>
-              <a:buNone/>
-              <a:tabLst/>
-            </a:pPr>
-            <a:r>
-              <a:rPr kumimoji="0" lang="ru-RU" altLang="ru-RU" sz="800" b="0" i="0" u="none" strike="noStrike" cap="none" normalizeH="0" baseline="0" dirty="0" smtClean="0">
-                <a:ln>
-                  <a:noFill/>
-                </a:ln>
-                <a:solidFill>
-                  <a:schemeClr val="tx1"/>
-                </a:solidFill>
-                <a:effectLst/>
-              </a:rPr>
-              <a:t> </a:t>
-            </a:r>
-            <a:endParaRPr kumimoji="0" lang="ru-RU" altLang="ru-RU" sz="1800" b="0" i="0" u="none" strike="noStrike" cap="none" normalizeH="0" baseline="0" dirty="0" smtClean="0">
-              <a:ln>
-                <a:noFill/>
-              </a:ln>
-              <a:solidFill>
-                <a:schemeClr val="tx1"/>
-              </a:solidFill>
-              <a:effectLst/>
-              <a:latin typeface="Arial" panose="020B0604020202020204" pitchFamily="34" charset="0"/>
-            </a:endParaRPr>
-          </a:p>
-        </p:txBody>
-      </p:sp>
     </p:spTree>
     <p:extLst>
       <p:ext uri="{BB962C8B-B14F-4D97-AF65-F5344CB8AC3E}">
-        <p14:creationId xmlns:p14="http://schemas.microsoft.com/office/powerpoint/2010/main" val="863717265"/>
+        <p14:creationId xmlns:p14="http://schemas.microsoft.com/office/powerpoint/2010/main" val="786000964"/>
       </p:ext>
     </p:extLst>
   </p:cSld>
@@ -8411,8 +8961,8 @@
         </p:nvSpPr>
         <p:spPr>
           <a:xfrm>
-            <a:off x="208722" y="603379"/>
-            <a:ext cx="6548139" cy="769441"/>
+            <a:off x="238540" y="573639"/>
+            <a:ext cx="6849439" cy="1046440"/>
           </a:xfrm>
           <a:prstGeom prst="rect">
             <a:avLst/>
@@ -8434,14 +8984,21 @@
                 <a:latin typeface="Arial" panose="020B0604020202020204" pitchFamily="34" charset="0"/>
                 <a:cs typeface="Arial" panose="020B0604020202020204" pitchFamily="34" charset="0"/>
               </a:rPr>
-              <a:t>Работа над проектом. Тесты. </a:t>
+              <a:t>Работа над проектом. </a:t>
+            </a:r>
+            <a:r>
+              <a:rPr lang="ru-RU" sz="2600" b="1" dirty="0" smtClean="0">
+                <a:latin typeface="Arial" panose="020B0604020202020204" pitchFamily="34" charset="0"/>
+                <a:cs typeface="Arial" panose="020B0604020202020204" pitchFamily="34" charset="0"/>
+              </a:rPr>
+              <a:t>Тесты. </a:t>
             </a:r>
             <a:r>
               <a:rPr lang="en-US" sz="2600" b="1" dirty="0" smtClean="0">
                 <a:latin typeface="Arial" panose="020B0604020202020204" pitchFamily="34" charset="0"/>
                 <a:cs typeface="Arial" panose="020B0604020202020204" pitchFamily="34" charset="0"/>
               </a:rPr>
-              <a:t>Activity</a:t>
+              <a:t>Workflow</a:t>
             </a:r>
             <a:endParaRPr lang="ru-RU" sz="2600" b="1" dirty="0">
               <a:latin typeface="Arial" panose="020B0604020202020204" pitchFamily="34" charset="0"/>
@@ -8449,13 +9006,20 @@
             </a:endParaRPr>
           </a:p>
           <a:p>
+            <a:pPr marL="285750" indent="-285750">
+              <a:buFont typeface="Arial" panose="020B0604020202020204" pitchFamily="34" charset="0"/>
+              <a:buChar char="•"/>
+            </a:pPr>
+            <a:endParaRPr lang="ru-RU" dirty="0"/>
+          </a:p>
+          <a:p>
             <a:endParaRPr lang="ru-RU" dirty="0"/>
           </a:p>
         </p:txBody>
       </p:sp>
       <p:pic>
         <p:nvPicPr>
-          <p:cNvPr id="4" name="Picture 2" descr="https://sun1-15.userapi.com/TZ_AZ5ClWiteLMThi5DrF3Ptar-gyV1-V-34yQ/_b-4iCC7KTI.jpg"/>
+          <p:cNvPr id="3078" name="Picture 6" descr="https://sun1-47.userapi.com/0upVRRxnDoUFpIFrXtG2sv7f_mCMj2JXdOK6rA/2WiJdHqo1q8.jpg"/>
           <p:cNvPicPr>
             <a:picLocks noChangeAspect="1" noChangeArrowheads="1"/>
           </p:cNvPicPr>
@@ -8476,8 +9040,8 @@
         </p:blipFill>
         <p:spPr bwMode="auto">
           <a:xfrm>
-            <a:off x="795132" y="3250097"/>
-            <a:ext cx="10555356" cy="2859029"/>
+            <a:off x="2683565" y="3940935"/>
+            <a:ext cx="6102626" cy="2346531"/>
           </a:xfrm>
           <a:prstGeom prst="rect">
             <a:avLst/>
@@ -8496,14 +9060,14 @@
       </p:pic>
       <p:sp>
         <p:nvSpPr>
-          <p:cNvPr id="5" name="TextBox 4"/>
+          <p:cNvPr id="12" name="TextBox 11"/>
           <p:cNvSpPr txBox="1"/>
           <p:nvPr/>
         </p:nvSpPr>
         <p:spPr>
           <a:xfrm>
-            <a:off x="208722" y="1518934"/>
-            <a:ext cx="11479695" cy="1200329"/>
+            <a:off x="437321" y="1620079"/>
+            <a:ext cx="11467296" cy="1477328"/>
           </a:xfrm>
           <a:prstGeom prst="rect">
             <a:avLst/>
@@ -8519,7 +9083,59 @@
             <a:pPr algn="just"/>
             <a:r>
               <a:rPr lang="ru-RU" dirty="0" smtClean="0"/>
-              <a:t>	Тест проверяет выполнение </a:t>
+              <a:t>	Данный тест проверяет корректность работы </a:t>
+            </a:r>
+            <a:r>
+              <a:rPr lang="en-US" dirty="0" smtClean="0"/>
+              <a:t>workflow. </a:t>
+            </a:r>
+            <a:r>
+              <a:rPr lang="ru-RU" dirty="0" smtClean="0"/>
+              <a:t>Вызов </a:t>
+            </a:r>
+            <a:r>
+              <a:rPr lang="en-US" dirty="0" err="1" smtClean="0"/>
+              <a:t>s.env.ExecuteWorkflow</a:t>
+            </a:r>
+            <a:r>
+              <a:rPr lang="en-US" dirty="0" smtClean="0"/>
+              <a:t>(…)</a:t>
+            </a:r>
+            <a:r>
+              <a:rPr lang="ru-RU" dirty="0" smtClean="0"/>
+              <a:t> запускает на выполнение </a:t>
+            </a:r>
+            <a:r>
+              <a:rPr lang="en-US" dirty="0" smtClean="0"/>
+              <a:t>workflow</a:t>
+            </a:r>
+            <a:r>
+              <a:rPr lang="ru-RU" dirty="0" smtClean="0"/>
+              <a:t>, </a:t>
+            </a:r>
+            <a:r>
+              <a:rPr lang="en-US" dirty="0" smtClean="0"/>
+              <a:t>c </a:t>
+            </a:r>
+            <a:r>
+              <a:rPr lang="ru-RU" dirty="0" smtClean="0"/>
+              <a:t>прописанными внутри </a:t>
+            </a:r>
+            <a:r>
+              <a:rPr lang="en-US" dirty="0" smtClean="0"/>
+              <a:t>activity. </a:t>
+            </a:r>
+            <a:r>
+              <a:rPr lang="ru-RU" dirty="0" smtClean="0"/>
+              <a:t>Первый параметр –</a:t>
+            </a:r>
+            <a:r>
+              <a:rPr lang="en-US" dirty="0" smtClean="0"/>
+              <a:t> </a:t>
+            </a:r>
+            <a:r>
+              <a:rPr lang="ru-RU" dirty="0" smtClean="0"/>
+              <a:t>имя </a:t>
             </a:r>
             <a:r>
               <a:rPr lang="en-US" dirty="0" smtClean="0"/>
@@ -8527,99 +9143,43 @@
             </a:r>
             <a:r>
               <a:rPr lang="ru-RU" dirty="0" smtClean="0"/>
-              <a:t>в </a:t>
-            </a:r>
-            <a:r>
-              <a:rPr lang="ru-RU" dirty="0" smtClean="0"/>
-              <a:t>случае</a:t>
+              <a:t>следующие параметры содержат пользовательские данные, необходимые для запуска</a:t>
             </a:r>
             <a:r>
               <a:rPr lang="en-US" dirty="0" smtClean="0"/>
-              <a:t>,</a:t>
-            </a:r>
-            <a:r>
-              <a:rPr lang="ru-RU" dirty="0" smtClean="0"/>
-              <a:t> </a:t>
-            </a:r>
-            <a:r>
-              <a:rPr lang="ru-RU" dirty="0" smtClean="0"/>
-              <a:t>если </a:t>
+              <a:t>. </a:t>
+            </a:r>
+            <a:r>
+              <a:rPr lang="ru-RU" dirty="0" smtClean="0"/>
+              <a:t>После выполнения </a:t>
             </a:r>
             <a:r>
               <a:rPr lang="en-US" dirty="0" smtClean="0"/>
-              <a:t>activity </a:t>
+              <a:t>workflow, </a:t>
+            </a:r>
+            <a:r>
+              <a:rPr lang="ru-RU" dirty="0" smtClean="0"/>
+              <a:t>возвращается статус завершения посредством вызова </a:t>
             </a:r>
             <a:r>
               <a:rPr lang="en-US" dirty="0" err="1" smtClean="0"/>
-              <a:t>Infostruct</a:t>
+              <a:t>s.env.IsWorflowCompleted</a:t>
             </a:r>
             <a:r>
               <a:rPr lang="en-US" dirty="0" smtClean="0"/>
-              <a:t> </a:t>
-            </a:r>
-            <a:r>
-              <a:rPr lang="ru-RU" dirty="0" smtClean="0"/>
-              <a:t>выдает ошибку. Для этого </a:t>
-            </a:r>
-            <a:r>
-              <a:rPr lang="ru-RU" dirty="0" smtClean="0"/>
-              <a:t>  </a:t>
-            </a:r>
-            <a:r>
-              <a:rPr lang="ru-RU" dirty="0" smtClean="0"/>
-              <a:t>реальное </a:t>
-            </a:r>
-            <a:r>
-              <a:rPr lang="en-US" dirty="0" smtClean="0"/>
-              <a:t>activity </a:t>
-            </a:r>
-            <a:r>
-              <a:rPr lang="ru-RU" dirty="0" smtClean="0"/>
-              <a:t>заменяется</a:t>
-            </a:r>
-            <a:r>
-              <a:rPr lang="en-US" dirty="0" smtClean="0"/>
-              <a:t> </a:t>
-            </a:r>
-            <a:r>
-              <a:rPr lang="ru-RU" dirty="0" smtClean="0"/>
-              <a:t>тестовым, </a:t>
-            </a:r>
-            <a:r>
-              <a:rPr lang="ru-RU" dirty="0" smtClean="0"/>
-              <a:t>которое </a:t>
-            </a:r>
-            <a:r>
-              <a:rPr lang="ru-RU" dirty="0" smtClean="0"/>
-              <a:t>при вызове должно </a:t>
-            </a:r>
-            <a:r>
-              <a:rPr lang="ru-RU" dirty="0" smtClean="0"/>
-              <a:t>вернуть ошибку. </a:t>
-            </a:r>
-            <a:r>
-              <a:rPr lang="ru-RU" dirty="0"/>
-              <a:t>З</a:t>
-            </a:r>
-            <a:r>
-              <a:rPr lang="ru-RU" dirty="0" smtClean="0"/>
-              <a:t>апускается выполнение </a:t>
-            </a:r>
-            <a:r>
-              <a:rPr lang="en-US" dirty="0" smtClean="0"/>
-              <a:t>workflow </a:t>
-            </a:r>
-            <a:r>
-              <a:rPr lang="ru-RU" dirty="0" smtClean="0"/>
-              <a:t>с помощью вызова </a:t>
+              <a:t>. </a:t>
+            </a:r>
+            <a:r>
+              <a:rPr lang="ru-RU" dirty="0" smtClean="0"/>
+              <a:t>Возвращаемое значение вызова </a:t>
             </a:r>
             <a:r>
               <a:rPr lang="en-US" dirty="0" err="1" smtClean="0"/>
-              <a:t>s.env.ExecuteWorkflow</a:t>
-            </a:r>
-            <a:r>
-              <a:rPr lang="ru-RU" dirty="0" smtClean="0"/>
-              <a:t>, затем, если работа </a:t>
+              <a:t>s.env.GetWorkflowError</a:t>
+            </a:r>
+            <a:r>
+              <a:rPr lang="ru-RU" dirty="0" smtClean="0"/>
+              <a:t> проверяет выполнение </a:t>
             </a:r>
             <a:r>
               <a:rPr lang="en-US" dirty="0" smtClean="0"/>
@@ -8627,36 +9187,111 @@
             </a:r>
             <a:r>
               <a:rPr lang="ru-RU" dirty="0" smtClean="0"/>
-              <a:t> корректна, то он завершается и возвращает ожидаемую ошибку.</a:t>
-            </a:r>
-            <a:r>
-              <a:rPr lang="en-US" dirty="0" smtClean="0"/>
-              <a:t>  </a:t>
-            </a:r>
-            <a:r>
-              <a:rPr lang="ru-RU" dirty="0" smtClean="0"/>
-              <a:t>Аналогичный тест был написан для </a:t>
-            </a:r>
-            <a:r>
-              <a:rPr lang="en-US" dirty="0" smtClean="0"/>
-              <a:t>activity </a:t>
-            </a:r>
-            <a:r>
-              <a:rPr lang="en-US" dirty="0" err="1" smtClean="0"/>
-              <a:t>InfoStructResult</a:t>
-            </a:r>
-            <a:r>
-              <a:rPr lang="en-US" dirty="0" smtClean="0"/>
-              <a:t>.</a:t>
+              <a:t> на наличие ошибок.</a:t>
             </a:r>
             <a:endParaRPr lang="ru-RU" dirty="0"/>
+          </a:p>
+        </p:txBody>
+      </p:sp>
+      <p:sp>
+        <p:nvSpPr>
+          <p:cNvPr id="13" name="Rectangle 9"/>
+          <p:cNvSpPr>
+            <a:spLocks noChangeArrowheads="1"/>
+          </p:cNvSpPr>
+          <p:nvPr/>
+        </p:nvSpPr>
+        <p:spPr bwMode="auto">
+          <a:xfrm>
+            <a:off x="0" y="179864"/>
+            <a:ext cx="22442" cy="97471"/>
+          </a:xfrm>
+          <a:prstGeom prst="rect">
+            <a:avLst/>
+          </a:prstGeom>
+          <a:solidFill>
+            <a:srgbClr val="F8F9FA"/>
+          </a:solidFill>
+          <a:ln>
+            <a:noFill/>
+          </a:ln>
+          <a:effectLst/>
+          <a:extLst>
+            <a:ext uri="{91240B29-F687-4F45-9708-019B960494DF}">
+              <a14:hiddenLine xmlns:a14="http://schemas.microsoft.com/office/drawing/2010/main" w="9525">
+                <a:solidFill>
+                  <a:schemeClr val="tx1"/>
+                </a:solidFill>
+                <a:miter lim="800000"/>
+                <a:headEnd/>
+                <a:tailEnd/>
+              </a14:hiddenLine>
+            </a:ext>
+            <a:ext uri="{AF507438-7753-43E0-B8FC-AC1667EBCBE1}">
+              <a14:hiddenEffects xmlns:a14="http://schemas.microsoft.com/office/drawing/2010/main">
+                <a:effectLst>
+                  <a:outerShdw dist="35921" dir="2700000" algn="ctr" rotWithShape="0">
+                    <a:schemeClr val="bg2"/>
+                  </a:outerShdw>
+                </a:effectLst>
+              </a14:hiddenEffects>
+            </a:ext>
+          </a:extLst>
+        </p:spPr>
+        <p:txBody>
+          <a:bodyPr vert="horz" wrap="none" lIns="0" tIns="-12696" rIns="0" bIns="-12696" numCol="1" anchor="ctr" anchorCtr="0" compatLnSpc="1">
+            <a:prstTxWarp prst="textNoShape">
+              <a:avLst/>
+            </a:prstTxWarp>
+            <a:spAutoFit/>
+          </a:bodyPr>
+          <a:lstStyle/>
+          <a:p>
+            <a:pPr marL="0" marR="0" lvl="0" indent="0" algn="l" defTabSz="914400" rtl="0" eaLnBrk="0" fontAlgn="base" latinLnBrk="0" hangingPunct="0">
+              <a:lnSpc>
+                <a:spcPct val="100000"/>
+              </a:lnSpc>
+              <a:spcBef>
+                <a:spcPct val="0"/>
+              </a:spcBef>
+              <a:spcAft>
+                <a:spcPct val="0"/>
+              </a:spcAft>
+              <a:buClrTx/>
+              <a:buSzTx/>
+              <a:buFontTx/>
+              <a:buNone/>
+              <a:tabLst/>
+            </a:pPr>
+            <a:r>
+              <a:rPr kumimoji="0" lang="ru-RU" altLang="ru-RU" sz="800" b="0" i="0" u="none" strike="noStrike" cap="none" normalizeH="0" baseline="0" dirty="0" smtClean="0">
+                <a:ln>
+                  <a:noFill/>
+                </a:ln>
+                <a:solidFill>
+                  <a:schemeClr val="tx1"/>
+                </a:solidFill>
+                <a:effectLst/>
+              </a:rPr>
+              <a:t> </a:t>
+            </a:r>
+            <a:endParaRPr kumimoji="0" lang="ru-RU" altLang="ru-RU" sz="1800" b="0" i="0" u="none" strike="noStrike" cap="none" normalizeH="0" baseline="0" dirty="0" smtClean="0">
+              <a:ln>
+                <a:noFill/>
+              </a:ln>
+              <a:solidFill>
+                <a:schemeClr val="tx1"/>
+              </a:solidFill>
+              <a:effectLst/>
+              <a:latin typeface="Arial" panose="020B0604020202020204" pitchFamily="34" charset="0"/>
+            </a:endParaRPr>
           </a:p>
         </p:txBody>
       </p:sp>
     </p:spTree>
     <p:extLst>
       <p:ext uri="{BB962C8B-B14F-4D97-AF65-F5344CB8AC3E}">
-        <p14:creationId xmlns:p14="http://schemas.microsoft.com/office/powerpoint/2010/main" val="3112692037"/>
+        <p14:creationId xmlns:p14="http://schemas.microsoft.com/office/powerpoint/2010/main" val="863717265"/>
       </p:ext>
     </p:extLst>
   </p:cSld>
@@ -8698,7 +9333,7 @@
         </p:nvSpPr>
         <p:spPr>
           <a:xfrm>
-            <a:off x="188844" y="576469"/>
+            <a:off x="208722" y="603379"/>
             <a:ext cx="6548139" cy="769441"/>
           </a:xfrm>
           <a:prstGeom prst="rect">
@@ -8724,7 +9359,7 @@
               <a:t>Работа над проектом. Тесты. </a:t>
             </a:r>
             <a:r>
-              <a:rPr lang="en-US" sz="2600" b="1" dirty="0">
+              <a:rPr lang="en-US" sz="2600" b="1" dirty="0" smtClean="0">
                 <a:latin typeface="Arial" panose="020B0604020202020204" pitchFamily="34" charset="0"/>
                 <a:cs typeface="Arial" panose="020B0604020202020204" pitchFamily="34" charset="0"/>
               </a:rPr>
@@ -8742,7 +9377,7 @@
       </p:sp>
       <p:pic>
         <p:nvPicPr>
-          <p:cNvPr id="3" name="Picture 8" descr="https://sun1-92.userapi.com/KEJaI-AvH7XDTnGi9ZHoqoBlKcMePYrNGwpNuA/rXY-A8ECuUk.jpg"/>
+          <p:cNvPr id="4" name="Picture 2" descr="https://sun1-15.userapi.com/TZ_AZ5ClWiteLMThi5DrF3Ptar-gyV1-V-34yQ/_b-4iCC7KTI.jpg"/>
           <p:cNvPicPr>
             <a:picLocks noChangeAspect="1" noChangeArrowheads="1"/>
           </p:cNvPicPr>
@@ -8763,8 +9398,8 @@
         </p:blipFill>
         <p:spPr bwMode="auto">
           <a:xfrm>
-            <a:off x="5474976" y="2394211"/>
-            <a:ext cx="6086475" cy="2857500"/>
+            <a:off x="795132" y="3250097"/>
+            <a:ext cx="10555356" cy="2859029"/>
           </a:xfrm>
           <a:prstGeom prst="rect">
             <a:avLst/>
@@ -8783,14 +9418,14 @@
       </p:pic>
       <p:sp>
         <p:nvSpPr>
-          <p:cNvPr id="11" name="TextBox 10"/>
+          <p:cNvPr id="5" name="TextBox 4"/>
           <p:cNvSpPr txBox="1"/>
           <p:nvPr/>
         </p:nvSpPr>
         <p:spPr>
           <a:xfrm>
-            <a:off x="1113183" y="1987826"/>
-            <a:ext cx="184731" cy="369332"/>
+            <a:off x="208722" y="1518934"/>
+            <a:ext cx="11479695" cy="1200329"/>
           </a:xfrm>
           <a:prstGeom prst="rect">
             <a:avLst/>
@@ -8798,32 +9433,6 @@
           <a:noFill/>
         </p:spPr>
         <p:txBody>
-          <a:bodyPr wrap="none" rtlCol="0">
-            <a:spAutoFit/>
-          </a:bodyPr>
-          <a:lstStyle/>
-          <a:p>
-            <a:endParaRPr lang="ru-RU" dirty="0"/>
-          </a:p>
-        </p:txBody>
-      </p:sp>
-      <p:sp>
-        <p:nvSpPr>
-          <p:cNvPr id="14" name="TextBox 13"/>
-          <p:cNvSpPr txBox="1"/>
-          <p:nvPr/>
-        </p:nvSpPr>
-        <p:spPr>
-          <a:xfrm>
-            <a:off x="188844" y="2530300"/>
-            <a:ext cx="5079842" cy="2308324"/>
-          </a:xfrm>
-          <a:prstGeom prst="rect">
-            <a:avLst/>
-          </a:prstGeom>
-          <a:noFill/>
-        </p:spPr>
-        <p:txBody>
           <a:bodyPr wrap="square" rtlCol="0">
             <a:spAutoFit/>
           </a:bodyPr>
@@ -8832,7 +9441,23 @@
             <a:pPr algn="just"/>
             <a:r>
               <a:rPr lang="ru-RU" dirty="0" smtClean="0"/>
-              <a:t>	Данный тест проверяет корректность входных параметров в </a:t>
+              <a:t>	Тест проверяет выполнение </a:t>
+            </a:r>
+            <a:r>
+              <a:rPr lang="en-US" dirty="0" smtClean="0"/>
+              <a:t>workflow, </a:t>
+            </a:r>
+            <a:r>
+              <a:rPr lang="ru-RU" dirty="0" smtClean="0"/>
+              <a:t>в случае</a:t>
+            </a:r>
+            <a:r>
+              <a:rPr lang="en-US" dirty="0" smtClean="0"/>
+              <a:t>,</a:t>
+            </a:r>
+            <a:r>
+              <a:rPr lang="ru-RU" dirty="0" smtClean="0"/>
+              <a:t> если </a:t>
             </a:r>
             <a:r>
               <a:rPr lang="en-US" dirty="0" smtClean="0"/>
@@ -8840,19 +9465,55 @@
             </a:r>
             <a:r>
               <a:rPr lang="en-US" dirty="0" err="1" smtClean="0"/>
-              <a:t>InfoStruct</a:t>
-            </a:r>
-            <a:r>
-              <a:rPr lang="ru-RU" dirty="0" smtClean="0"/>
-              <a:t>, то есть сопоставляется </a:t>
-            </a:r>
-            <a:r>
-              <a:rPr lang="ru-RU" dirty="0" smtClean="0"/>
+              <a:t>Infostruct</a:t>
+            </a:r>
+            <a:r>
+              <a:rPr lang="en-US" dirty="0" smtClean="0"/>
               <a:t> </a:t>
             </a:r>
             <a:r>
               <a:rPr lang="ru-RU" dirty="0" smtClean="0"/>
-              <a:t>параметр, который был передан </a:t>
+              <a:t>выдает ошибку. Для этого   реальное </a:t>
+            </a:r>
+            <a:r>
+              <a:rPr lang="en-US" dirty="0" smtClean="0"/>
+              <a:t>activity </a:t>
+            </a:r>
+            <a:r>
+              <a:rPr lang="ru-RU" dirty="0" smtClean="0"/>
+              <a:t>заменяется</a:t>
+            </a:r>
+            <a:r>
+              <a:rPr lang="en-US" dirty="0" smtClean="0"/>
+              <a:t> </a:t>
+            </a:r>
+            <a:r>
+              <a:rPr lang="ru-RU" dirty="0" smtClean="0"/>
+              <a:t>тестовым, которое при вызове должно вернуть ошибку. </a:t>
+            </a:r>
+            <a:r>
+              <a:rPr lang="ru-RU" dirty="0"/>
+              <a:t>З</a:t>
+            </a:r>
+            <a:r>
+              <a:rPr lang="ru-RU" dirty="0" smtClean="0"/>
+              <a:t>апускается выполнение </a:t>
+            </a:r>
+            <a:r>
+              <a:rPr lang="en-US" dirty="0" smtClean="0"/>
+              <a:t>workflow </a:t>
+            </a:r>
+            <a:r>
+              <a:rPr lang="ru-RU" dirty="0" smtClean="0"/>
+              <a:t>с помощью вызова </a:t>
+            </a:r>
+            <a:r>
+              <a:rPr lang="en-US" dirty="0" err="1" smtClean="0"/>
+              <a:t>s.env.ExecuteWorkflow</a:t>
+            </a:r>
+            <a:r>
+              <a:rPr lang="ru-RU" dirty="0" smtClean="0"/>
+              <a:t>, затем, если работа </a:t>
             </a:r>
             <a:r>
               <a:rPr lang="en-US" dirty="0" smtClean="0"/>
@@ -8860,35 +9521,27 @@
             </a:r>
             <a:r>
               <a:rPr lang="ru-RU" dirty="0" smtClean="0"/>
-              <a:t> и тот, который был получен в </a:t>
+              <a:t> корректна, то он завершается и возвращает ожидаемую ошибку.</a:t>
             </a:r>
             <a:r>
               <a:rPr lang="en-US" dirty="0" smtClean="0"/>
-              <a:t>activity. </a:t>
-            </a:r>
-            <a:r>
-              <a:rPr lang="ru-RU" dirty="0" smtClean="0"/>
-              <a:t>Заменяется тело исходного </a:t>
+              <a:t>  </a:t>
+            </a:r>
+            <a:r>
+              <a:rPr lang="ru-RU" dirty="0" smtClean="0"/>
+              <a:t>Аналогичный тест был написан для </a:t>
             </a:r>
             <a:r>
               <a:rPr lang="en-US" dirty="0" smtClean="0"/>
               <a:t>activity </a:t>
             </a:r>
             <a:r>
-              <a:rPr lang="ru-RU" dirty="0" smtClean="0"/>
-              <a:t>на альтернативный код с проверкой полученных параметров. Всякий раз при вызова этого </a:t>
+              <a:rPr lang="en-US" dirty="0" err="1" smtClean="0"/>
+              <a:t>InfoStructResult</a:t>
             </a:r>
             <a:r>
               <a:rPr lang="en-US" dirty="0" smtClean="0"/>
-              <a:t>activity</a:t>
-            </a:r>
-            <a:r>
-              <a:rPr lang="ru-RU" dirty="0" smtClean="0"/>
-              <a:t>, будет выполняться новый кусок кода. </a:t>
-            </a:r>
-            <a:r>
-              <a:rPr lang="en-US" dirty="0" smtClean="0"/>
-              <a:t> </a:t>
+              <a:t>.</a:t>
             </a:r>
             <a:endParaRPr lang="ru-RU" dirty="0"/>
           </a:p>
@@ -8897,7 +9550,7 @@
     </p:spTree>
     <p:extLst>
       <p:ext uri="{BB962C8B-B14F-4D97-AF65-F5344CB8AC3E}">
-        <p14:creationId xmlns:p14="http://schemas.microsoft.com/office/powerpoint/2010/main" val="1540845384"/>
+        <p14:creationId xmlns:p14="http://schemas.microsoft.com/office/powerpoint/2010/main" val="3112692037"/>
       </p:ext>
     </p:extLst>
   </p:cSld>
